--- a/Presentation.pptx
+++ b/Presentation.pptx
@@ -4486,32 +4486,10 @@
           <a:lstStyle/>
           <a:p>
             <a:r>
-              <a:rPr lang="en-US" sz="4000" b="1"/>
-              <a:t>Ch</a:t>
-            </a:r>
-            <a:r>
-              <a:rPr lang="vi-VN" sz="4000" b="1"/>
-              <a:t>ư</a:t>
-            </a:r>
-            <a:r>
-              <a:rPr lang="en-US" sz="4000" b="1"/>
-              <a:t>ơng 03</a:t>
-            </a:r>
-            <a:br>
-              <a:rPr lang="en-US" sz="4000" b="1"/>
-            </a:br>
-            <a:r>
-              <a:rPr lang="en-US" sz="4000"/>
-              <a:t>GIỚI THIỆU </a:t>
-            </a:r>
-            <a:br>
-              <a:rPr lang="en-US" sz="4000"/>
-            </a:br>
-            <a:r>
-              <a:rPr lang="en-US" sz="4000"/>
-              <a:t>FEATURE ENGINEERING</a:t>
-            </a:r>
-            <a:endParaRPr lang="en-US" sz="4000" b="1"/>
+              <a:rPr lang="en-US" sz="4000" dirty="0"/>
+              <a:t>HANDWRITTEN DIGIT IDENTIFICATION</a:t>
+            </a:r>
+            <a:endParaRPr lang="en-US" sz="4000" b="1" dirty="0"/>
           </a:p>
         </p:txBody>
       </p:sp>
@@ -6590,7 +6568,7 @@
           <a:lstStyle/>
           <a:p>
             <a:r>
-              <a:rPr lang="en-US"/>
+              <a:rPr lang="en-US" dirty="0"/>
               <a:t>Handwritten digit identification</a:t>
             </a:r>
           </a:p>

--- a/Presentation.pptx
+++ b/Presentation.pptx
@@ -5,10 +5,10 @@
     <p:sldMasterId id="2147483648" r:id="rId1"/>
   </p:sldMasterIdLst>
   <p:notesMasterIdLst>
-    <p:notesMasterId r:id="rId33"/>
+    <p:notesMasterId r:id="rId14"/>
   </p:notesMasterIdLst>
   <p:handoutMasterIdLst>
-    <p:handoutMasterId r:id="rId34"/>
+    <p:handoutMasterId r:id="rId15"/>
   </p:handoutMasterIdLst>
   <p:sldIdLst>
     <p:sldId id="328" r:id="rId2"/>
@@ -23,25 +23,6 @@
     <p:sldId id="460" r:id="rId11"/>
     <p:sldId id="461" r:id="rId12"/>
     <p:sldId id="462" r:id="rId13"/>
-    <p:sldId id="463" r:id="rId14"/>
-    <p:sldId id="464" r:id="rId15"/>
-    <p:sldId id="465" r:id="rId16"/>
-    <p:sldId id="466" r:id="rId17"/>
-    <p:sldId id="467" r:id="rId18"/>
-    <p:sldId id="468" r:id="rId19"/>
-    <p:sldId id="472" r:id="rId20"/>
-    <p:sldId id="470" r:id="rId21"/>
-    <p:sldId id="474" r:id="rId22"/>
-    <p:sldId id="475" r:id="rId23"/>
-    <p:sldId id="476" r:id="rId24"/>
-    <p:sldId id="477" r:id="rId25"/>
-    <p:sldId id="478" r:id="rId26"/>
-    <p:sldId id="479" r:id="rId27"/>
-    <p:sldId id="480" r:id="rId28"/>
-    <p:sldId id="481" r:id="rId29"/>
-    <p:sldId id="482" r:id="rId30"/>
-    <p:sldId id="483" r:id="rId31"/>
-    <p:sldId id="484" r:id="rId32"/>
   </p:sldIdLst>
   <p:sldSz cx="9144000" cy="6858000" type="screen4x3"/>
   <p:notesSz cx="6858000" cy="9144000"/>
@@ -5009,1379 +4990,6 @@
 </p:sld>
 </file>
 
-<file path=ppt/slides/slide13.xml><?xml version="1.0" encoding="utf-8"?>
-<p:sld xmlns:a="http://schemas.openxmlformats.org/drawingml/2006/main" xmlns:r="http://schemas.openxmlformats.org/officeDocument/2006/relationships" xmlns:p="http://schemas.openxmlformats.org/presentationml/2006/main">
-  <p:cSld>
-    <p:spTree>
-      <p:nvGrpSpPr>
-        <p:cNvPr id="1" name=""/>
-        <p:cNvGrpSpPr/>
-        <p:nvPr/>
-      </p:nvGrpSpPr>
-      <p:grpSpPr>
-        <a:xfrm>
-          <a:off x="0" y="0"/>
-          <a:ext cx="0" cy="0"/>
-          <a:chOff x="0" y="0"/>
-          <a:chExt cx="0" cy="0"/>
-        </a:xfrm>
-      </p:grpSpPr>
-      <p:sp>
-        <p:nvSpPr>
-          <p:cNvPr id="4" name="Title 3">
-            <a:extLst>
-              <a:ext uri="{FF2B5EF4-FFF2-40B4-BE49-F238E27FC236}">
-                <a16:creationId xmlns:a16="http://schemas.microsoft.com/office/drawing/2014/main" id="{9575BD83-2D0F-4589-ADC9-7A3142117395}"/>
-              </a:ext>
-            </a:extLst>
-          </p:cNvPr>
-          <p:cNvSpPr>
-            <a:spLocks noGrp="1"/>
-          </p:cNvSpPr>
-          <p:nvPr>
-            <p:ph type="title"/>
-          </p:nvPr>
-        </p:nvSpPr>
-        <p:spPr/>
-        <p:txBody>
-          <a:bodyPr/>
-          <a:lstStyle/>
-          <a:p>
-            <a:r>
-              <a:rPr lang="en-US"/>
-              <a:t>Import library</a:t>
-            </a:r>
-          </a:p>
-        </p:txBody>
-      </p:sp>
-      <p:sp>
-        <p:nvSpPr>
-          <p:cNvPr id="5" name="Content Placeholder 4">
-            <a:extLst>
-              <a:ext uri="{FF2B5EF4-FFF2-40B4-BE49-F238E27FC236}">
-                <a16:creationId xmlns:a16="http://schemas.microsoft.com/office/drawing/2014/main" id="{B0E0A85D-11DB-4F99-AB73-AF6061AB902D}"/>
-              </a:ext>
-            </a:extLst>
-          </p:cNvPr>
-          <p:cNvSpPr>
-            <a:spLocks noGrp="1"/>
-          </p:cNvSpPr>
-          <p:nvPr>
-            <p:ph idx="1"/>
-          </p:nvPr>
-        </p:nvSpPr>
-        <p:spPr/>
-        <p:txBody>
-          <a:bodyPr/>
-          <a:lstStyle/>
-          <a:p>
-            <a:pPr marL="457200" indent="-457200">
-              <a:buFont typeface="+mj-lt"/>
-              <a:buAutoNum type="arabicPeriod"/>
-            </a:pPr>
-            <a:r>
-              <a:rPr lang="en-US" sz="2400">
-                <a:latin typeface="Courier New" panose="02070309020205020404" pitchFamily="49" charset="0"/>
-                <a:cs typeface="Courier New" panose="02070309020205020404" pitchFamily="49" charset="0"/>
-              </a:rPr>
-              <a:t>from matplotlib import pyplot as plt </a:t>
-            </a:r>
-          </a:p>
-          <a:p>
-            <a:pPr marL="457200" indent="-457200">
-              <a:buFont typeface="+mj-lt"/>
-              <a:buAutoNum type="arabicPeriod"/>
-            </a:pPr>
-            <a:r>
-              <a:rPr lang="en-US" sz="2400">
-                <a:latin typeface="Courier New" panose="02070309020205020404" pitchFamily="49" charset="0"/>
-                <a:cs typeface="Courier New" panose="02070309020205020404" pitchFamily="49" charset="0"/>
-              </a:rPr>
-              <a:t>from sklearn import datasets, metrics </a:t>
-            </a:r>
-          </a:p>
-          <a:p>
-            <a:pPr marL="457200" indent="-457200">
-              <a:buFont typeface="+mj-lt"/>
-              <a:buAutoNum type="arabicPeriod"/>
-            </a:pPr>
-            <a:r>
-              <a:rPr lang="en-US" sz="2400">
-                <a:latin typeface="Courier New" panose="02070309020205020404" pitchFamily="49" charset="0"/>
-                <a:cs typeface="Courier New" panose="02070309020205020404" pitchFamily="49" charset="0"/>
-              </a:rPr>
-              <a:t>from </a:t>
-            </a:r>
-            <a:r>
-              <a:rPr lang="en-US" sz="2400">
-                <a:solidFill>
-                  <a:srgbClr val="0066FF"/>
-                </a:solidFill>
-                <a:latin typeface="Courier New" panose="02070309020205020404" pitchFamily="49" charset="0"/>
-                <a:cs typeface="Courier New" panose="02070309020205020404" pitchFamily="49" charset="0"/>
-              </a:rPr>
-              <a:t>sklearn.neighbors</a:t>
-            </a:r>
-            <a:r>
-              <a:rPr lang="en-US" sz="2400">
-                <a:latin typeface="Courier New" panose="02070309020205020404" pitchFamily="49" charset="0"/>
-                <a:cs typeface="Courier New" panose="02070309020205020404" pitchFamily="49" charset="0"/>
-              </a:rPr>
-              <a:t> import </a:t>
-            </a:r>
-            <a:r>
-              <a:rPr lang="en-US" sz="2400">
-                <a:solidFill>
-                  <a:srgbClr val="0066FF"/>
-                </a:solidFill>
-                <a:latin typeface="Courier New" panose="02070309020205020404" pitchFamily="49" charset="0"/>
-                <a:cs typeface="Courier New" panose="02070309020205020404" pitchFamily="49" charset="0"/>
-              </a:rPr>
-              <a:t>KNeighborsClassifier</a:t>
-            </a:r>
-            <a:r>
-              <a:rPr lang="en-US" sz="2400">
-                <a:latin typeface="Courier New" panose="02070309020205020404" pitchFamily="49" charset="0"/>
-                <a:cs typeface="Courier New" panose="02070309020205020404" pitchFamily="49" charset="0"/>
-              </a:rPr>
-              <a:t> </a:t>
-            </a:r>
-          </a:p>
-          <a:p>
-            <a:pPr marL="457200" indent="-457200">
-              <a:buFont typeface="+mj-lt"/>
-              <a:buAutoNum type="arabicPeriod"/>
-            </a:pPr>
-            <a:r>
-              <a:rPr lang="en-US" sz="2400">
-                <a:latin typeface="Courier New" panose="02070309020205020404" pitchFamily="49" charset="0"/>
-                <a:cs typeface="Courier New" panose="02070309020205020404" pitchFamily="49" charset="0"/>
-              </a:rPr>
-              <a:t>from </a:t>
-            </a:r>
-            <a:r>
-              <a:rPr lang="en-US" sz="2400">
-                <a:solidFill>
-                  <a:srgbClr val="0066FF"/>
-                </a:solidFill>
-                <a:latin typeface="Courier New" panose="02070309020205020404" pitchFamily="49" charset="0"/>
-                <a:cs typeface="Courier New" panose="02070309020205020404" pitchFamily="49" charset="0"/>
-              </a:rPr>
-              <a:t>keras.datasets </a:t>
-            </a:r>
-            <a:r>
-              <a:rPr lang="en-US" sz="2400">
-                <a:latin typeface="Courier New" panose="02070309020205020404" pitchFamily="49" charset="0"/>
-                <a:cs typeface="Courier New" panose="02070309020205020404" pitchFamily="49" charset="0"/>
-              </a:rPr>
-              <a:t>import </a:t>
-            </a:r>
-            <a:r>
-              <a:rPr lang="en-US" sz="2400">
-                <a:solidFill>
-                  <a:srgbClr val="0066FF"/>
-                </a:solidFill>
-                <a:latin typeface="Courier New" panose="02070309020205020404" pitchFamily="49" charset="0"/>
-                <a:cs typeface="Courier New" panose="02070309020205020404" pitchFamily="49" charset="0"/>
-              </a:rPr>
-              <a:t>mnist</a:t>
-            </a:r>
-          </a:p>
-          <a:p>
-            <a:pPr marL="457200" indent="-457200">
-              <a:buFont typeface="+mj-lt"/>
-              <a:buAutoNum type="arabicPeriod"/>
-            </a:pPr>
-            <a:r>
-              <a:rPr lang="en-US" sz="2400">
-                <a:solidFill>
-                  <a:srgbClr val="FF0000"/>
-                </a:solidFill>
-                <a:latin typeface="Courier New" panose="02070309020205020404" pitchFamily="49" charset="0"/>
-                <a:cs typeface="Courier New" panose="02070309020205020404" pitchFamily="49" charset="0"/>
-              </a:rPr>
-              <a:t>#Using TensorFlow backend.</a:t>
-            </a:r>
-          </a:p>
-          <a:p>
-            <a:pPr marL="457200" indent="-457200">
-              <a:buFont typeface="+mj-lt"/>
-              <a:buAutoNum type="arabicPeriod"/>
-            </a:pPr>
-            <a:endParaRPr lang="en-US" sz="2400">
-              <a:solidFill>
-                <a:srgbClr val="0066FF"/>
-              </a:solidFill>
-              <a:latin typeface="Courier New" panose="02070309020205020404" pitchFamily="49" charset="0"/>
-              <a:cs typeface="Courier New" panose="02070309020205020404" pitchFamily="49" charset="0"/>
-            </a:endParaRPr>
-          </a:p>
-        </p:txBody>
-      </p:sp>
-    </p:spTree>
-    <p:extLst>
-      <p:ext uri="{BB962C8B-B14F-4D97-AF65-F5344CB8AC3E}">
-        <p14:creationId xmlns:p14="http://schemas.microsoft.com/office/powerpoint/2010/main" val="693639187"/>
-      </p:ext>
-    </p:extLst>
-  </p:cSld>
-  <p:clrMapOvr>
-    <a:masterClrMapping/>
-  </p:clrMapOvr>
-  <p:transition/>
-</p:sld>
-</file>
-
-<file path=ppt/slides/slide14.xml><?xml version="1.0" encoding="utf-8"?>
-<p:sld xmlns:a="http://schemas.openxmlformats.org/drawingml/2006/main" xmlns:r="http://schemas.openxmlformats.org/officeDocument/2006/relationships" xmlns:p="http://schemas.openxmlformats.org/presentationml/2006/main">
-  <p:cSld>
-    <p:spTree>
-      <p:nvGrpSpPr>
-        <p:cNvPr id="1" name=""/>
-        <p:cNvGrpSpPr/>
-        <p:nvPr/>
-      </p:nvGrpSpPr>
-      <p:grpSpPr>
-        <a:xfrm>
-          <a:off x="0" y="0"/>
-          <a:ext cx="0" cy="0"/>
-          <a:chOff x="0" y="0"/>
-          <a:chExt cx="0" cy="0"/>
-        </a:xfrm>
-      </p:grpSpPr>
-      <p:sp>
-        <p:nvSpPr>
-          <p:cNvPr id="2" name="Title 1">
-            <a:extLst>
-              <a:ext uri="{FF2B5EF4-FFF2-40B4-BE49-F238E27FC236}">
-                <a16:creationId xmlns:a16="http://schemas.microsoft.com/office/drawing/2014/main" id="{EE578126-ADB5-40A1-9C1D-B9161ECB90A2}"/>
-              </a:ext>
-            </a:extLst>
-          </p:cNvPr>
-          <p:cNvSpPr>
-            <a:spLocks noGrp="1"/>
-          </p:cNvSpPr>
-          <p:nvPr>
-            <p:ph type="title"/>
-          </p:nvPr>
-        </p:nvSpPr>
-        <p:spPr/>
-        <p:txBody>
-          <a:bodyPr/>
-          <a:lstStyle/>
-          <a:p>
-            <a:r>
-              <a:rPr lang="en-US"/>
-              <a:t>Dataset</a:t>
-            </a:r>
-          </a:p>
-        </p:txBody>
-      </p:sp>
-      <p:sp>
-        <p:nvSpPr>
-          <p:cNvPr id="3" name="Content Placeholder 2">
-            <a:extLst>
-              <a:ext uri="{FF2B5EF4-FFF2-40B4-BE49-F238E27FC236}">
-                <a16:creationId xmlns:a16="http://schemas.microsoft.com/office/drawing/2014/main" id="{3D45C027-C272-49FA-9464-92EA41D67BFE}"/>
-              </a:ext>
-            </a:extLst>
-          </p:cNvPr>
-          <p:cNvSpPr>
-            <a:spLocks noGrp="1"/>
-          </p:cNvSpPr>
-          <p:nvPr>
-            <p:ph idx="1"/>
-          </p:nvPr>
-        </p:nvSpPr>
-        <p:spPr/>
-        <p:txBody>
-          <a:bodyPr/>
-          <a:lstStyle/>
-          <a:p>
-            <a:pPr marL="457200" indent="-457200">
-              <a:buFont typeface="+mj-lt"/>
-              <a:buAutoNum type="arabicPeriod"/>
-            </a:pPr>
-            <a:r>
-              <a:rPr lang="en-US" sz="2400">
-                <a:solidFill>
-                  <a:srgbClr val="0066FF"/>
-                </a:solidFill>
-                <a:latin typeface="Courier New" panose="02070309020205020404" pitchFamily="49" charset="0"/>
-                <a:cs typeface="Courier New" panose="02070309020205020404" pitchFamily="49" charset="0"/>
-              </a:rPr>
-              <a:t># load dataset Scikit-learn</a:t>
-            </a:r>
-          </a:p>
-          <a:p>
-            <a:pPr marL="457200" indent="-457200">
-              <a:buFont typeface="+mj-lt"/>
-              <a:buAutoNum type="arabicPeriod"/>
-            </a:pPr>
-            <a:r>
-              <a:rPr lang="en-US" sz="2400">
-                <a:latin typeface="Courier New" panose="02070309020205020404" pitchFamily="49" charset="0"/>
-                <a:cs typeface="Courier New" panose="02070309020205020404" pitchFamily="49" charset="0"/>
-              </a:rPr>
-              <a:t>digits = datasets.load_digits()</a:t>
-            </a:r>
-          </a:p>
-          <a:p>
-            <a:pPr marL="457200" indent="-457200">
-              <a:buFont typeface="+mj-lt"/>
-              <a:buAutoNum type="arabicPeriod"/>
-            </a:pPr>
-            <a:r>
-              <a:rPr lang="en-US" sz="2400">
-                <a:latin typeface="Courier New" panose="02070309020205020404" pitchFamily="49" charset="0"/>
-                <a:cs typeface="Courier New" panose="02070309020205020404" pitchFamily="49" charset="0"/>
-              </a:rPr>
-              <a:t>data_with_labels = list(zip(</a:t>
-            </a:r>
-            <a:br>
-              <a:rPr lang="en-US" sz="2400">
-                <a:latin typeface="Courier New" panose="02070309020205020404" pitchFamily="49" charset="0"/>
-                <a:cs typeface="Courier New" panose="02070309020205020404" pitchFamily="49" charset="0"/>
-              </a:rPr>
-            </a:br>
-            <a:r>
-              <a:rPr lang="en-US" sz="2400">
-                <a:latin typeface="Courier New" panose="02070309020205020404" pitchFamily="49" charset="0"/>
-                <a:cs typeface="Courier New" panose="02070309020205020404" pitchFamily="49" charset="0"/>
-              </a:rPr>
-              <a:t>			digits.images,digits.target))</a:t>
-            </a:r>
-          </a:p>
-          <a:p>
-            <a:pPr marL="457200" indent="-457200">
-              <a:buFont typeface="+mj-lt"/>
-              <a:buAutoNum type="arabicPeriod"/>
-            </a:pPr>
-            <a:r>
-              <a:rPr lang="en-US" sz="2400">
-                <a:latin typeface="Courier New" panose="02070309020205020404" pitchFamily="49" charset="0"/>
-                <a:cs typeface="Courier New" panose="02070309020205020404" pitchFamily="49" charset="0"/>
-              </a:rPr>
-              <a:t>print(</a:t>
-            </a:r>
-            <a:r>
-              <a:rPr lang="en-US" sz="2400">
-                <a:solidFill>
-                  <a:srgbClr val="FF0000"/>
-                </a:solidFill>
-                <a:latin typeface="Courier New" panose="02070309020205020404" pitchFamily="49" charset="0"/>
-                <a:cs typeface="Courier New" panose="02070309020205020404" pitchFamily="49" charset="0"/>
-              </a:rPr>
-              <a:t>digits.images.shape</a:t>
-            </a:r>
-            <a:r>
-              <a:rPr lang="en-US" sz="2400">
-                <a:latin typeface="Courier New" panose="02070309020205020404" pitchFamily="49" charset="0"/>
-                <a:cs typeface="Courier New" panose="02070309020205020404" pitchFamily="49" charset="0"/>
-              </a:rPr>
-              <a:t>)</a:t>
-            </a:r>
-          </a:p>
-          <a:p>
-            <a:pPr marL="457200" indent="-457200">
-              <a:buFont typeface="+mj-lt"/>
-              <a:buAutoNum type="arabicPeriod"/>
-            </a:pPr>
-            <a:r>
-              <a:rPr lang="en-US" sz="2400">
-                <a:solidFill>
-                  <a:srgbClr val="0066FF"/>
-                </a:solidFill>
-                <a:latin typeface="Courier New" panose="02070309020205020404" pitchFamily="49" charset="0"/>
-                <a:cs typeface="Courier New" panose="02070309020205020404" pitchFamily="49" charset="0"/>
-              </a:rPr>
-              <a:t>#</a:t>
-            </a:r>
-            <a:r>
-              <a:rPr lang="en-US" sz="2400">
-                <a:latin typeface="Courier New" panose="02070309020205020404" pitchFamily="49" charset="0"/>
-                <a:cs typeface="Courier New" panose="02070309020205020404" pitchFamily="49" charset="0"/>
-              </a:rPr>
-              <a:t> </a:t>
-            </a:r>
-            <a:r>
-              <a:rPr lang="en-US" sz="2400">
-                <a:solidFill>
-                  <a:srgbClr val="0066FF"/>
-                </a:solidFill>
-                <a:latin typeface="Courier New" panose="02070309020205020404" pitchFamily="49" charset="0"/>
-                <a:cs typeface="Courier New" panose="02070309020205020404" pitchFamily="49" charset="0"/>
-              </a:rPr>
-              <a:t>load dataset Keras</a:t>
-            </a:r>
-            <a:endParaRPr lang="en-US" sz="2400">
-              <a:latin typeface="Courier New" panose="02070309020205020404" pitchFamily="49" charset="0"/>
-              <a:cs typeface="Courier New" panose="02070309020205020404" pitchFamily="49" charset="0"/>
-            </a:endParaRPr>
-          </a:p>
-          <a:p>
-            <a:pPr marL="457200" indent="-457200">
-              <a:buFont typeface="+mj-lt"/>
-              <a:buAutoNum type="arabicPeriod"/>
-            </a:pPr>
-            <a:r>
-              <a:rPr lang="en-US" sz="2400">
-                <a:latin typeface="Courier New" panose="02070309020205020404" pitchFamily="49" charset="0"/>
-                <a:cs typeface="Courier New" panose="02070309020205020404" pitchFamily="49" charset="0"/>
-              </a:rPr>
-              <a:t>(</a:t>
-            </a:r>
-            <a:r>
-              <a:rPr lang="en-US" sz="2400">
-                <a:solidFill>
-                  <a:srgbClr val="FF0000"/>
-                </a:solidFill>
-                <a:latin typeface="Courier New" panose="02070309020205020404" pitchFamily="49" charset="0"/>
-                <a:cs typeface="Courier New" panose="02070309020205020404" pitchFamily="49" charset="0"/>
-              </a:rPr>
-              <a:t>img_train</a:t>
-            </a:r>
-            <a:r>
-              <a:rPr lang="en-US" sz="2400">
-                <a:latin typeface="Courier New" panose="02070309020205020404" pitchFamily="49" charset="0"/>
-                <a:cs typeface="Courier New" panose="02070309020205020404" pitchFamily="49" charset="0"/>
-              </a:rPr>
-              <a:t>, </a:t>
-            </a:r>
-            <a:r>
-              <a:rPr lang="en-US" sz="2400">
-                <a:solidFill>
-                  <a:srgbClr val="FF0000"/>
-                </a:solidFill>
-                <a:latin typeface="Courier New" panose="02070309020205020404" pitchFamily="49" charset="0"/>
-                <a:cs typeface="Courier New" panose="02070309020205020404" pitchFamily="49" charset="0"/>
-              </a:rPr>
-              <a:t>val_train</a:t>
-            </a:r>
-            <a:r>
-              <a:rPr lang="en-US" sz="2400">
-                <a:latin typeface="Courier New" panose="02070309020205020404" pitchFamily="49" charset="0"/>
-                <a:cs typeface="Courier New" panose="02070309020205020404" pitchFamily="49" charset="0"/>
-              </a:rPr>
-              <a:t>),(img_test, 				val_test) = mnist.load_data()</a:t>
-            </a:r>
-          </a:p>
-          <a:p>
-            <a:pPr marL="457200" indent="-457200">
-              <a:buFont typeface="+mj-lt"/>
-              <a:buAutoNum type="arabicPeriod"/>
-            </a:pPr>
-            <a:r>
-              <a:rPr lang="en-US" sz="2400">
-                <a:latin typeface="Courier New" panose="02070309020205020404" pitchFamily="49" charset="0"/>
-                <a:cs typeface="Courier New" panose="02070309020205020404" pitchFamily="49" charset="0"/>
-              </a:rPr>
-              <a:t>print(</a:t>
-            </a:r>
-            <a:r>
-              <a:rPr lang="en-US" sz="2400">
-                <a:solidFill>
-                  <a:srgbClr val="FF0000"/>
-                </a:solidFill>
-                <a:latin typeface="Courier New" panose="02070309020205020404" pitchFamily="49" charset="0"/>
-                <a:cs typeface="Courier New" panose="02070309020205020404" pitchFamily="49" charset="0"/>
-              </a:rPr>
-              <a:t>img_train.shape</a:t>
-            </a:r>
-            <a:r>
-              <a:rPr lang="en-US" sz="2400">
-                <a:latin typeface="Courier New" panose="02070309020205020404" pitchFamily="49" charset="0"/>
-                <a:cs typeface="Courier New" panose="02070309020205020404" pitchFamily="49" charset="0"/>
-              </a:rPr>
-              <a:t>)</a:t>
-            </a:r>
-          </a:p>
-          <a:p>
-            <a:pPr marL="457200" indent="-457200">
-              <a:buFont typeface="+mj-lt"/>
-              <a:buAutoNum type="arabicPeriod"/>
-            </a:pPr>
-            <a:r>
-              <a:rPr lang="en-US" sz="2400">
-                <a:latin typeface="Courier New" panose="02070309020205020404" pitchFamily="49" charset="0"/>
-                <a:cs typeface="Courier New" panose="02070309020205020404" pitchFamily="49" charset="0"/>
-              </a:rPr>
-              <a:t>print(</a:t>
-            </a:r>
-            <a:r>
-              <a:rPr lang="en-US" sz="2400">
-                <a:solidFill>
-                  <a:srgbClr val="FF0000"/>
-                </a:solidFill>
-                <a:latin typeface="Courier New" panose="02070309020205020404" pitchFamily="49" charset="0"/>
-                <a:cs typeface="Courier New" panose="02070309020205020404" pitchFamily="49" charset="0"/>
-              </a:rPr>
-              <a:t>img_test.shape</a:t>
-            </a:r>
-            <a:r>
-              <a:rPr lang="en-US" sz="2400">
-                <a:latin typeface="Courier New" panose="02070309020205020404" pitchFamily="49" charset="0"/>
-                <a:cs typeface="Courier New" panose="02070309020205020404" pitchFamily="49" charset="0"/>
-              </a:rPr>
-              <a:t>)</a:t>
-            </a:r>
-          </a:p>
-        </p:txBody>
-      </p:sp>
-    </p:spTree>
-    <p:extLst>
-      <p:ext uri="{BB962C8B-B14F-4D97-AF65-F5344CB8AC3E}">
-        <p14:creationId xmlns:p14="http://schemas.microsoft.com/office/powerpoint/2010/main" val="3687991815"/>
-      </p:ext>
-    </p:extLst>
-  </p:cSld>
-  <p:clrMapOvr>
-    <a:masterClrMapping/>
-  </p:clrMapOvr>
-  <p:transition/>
-</p:sld>
-</file>
-
-<file path=ppt/slides/slide15.xml><?xml version="1.0" encoding="utf-8"?>
-<p:sld xmlns:a="http://schemas.openxmlformats.org/drawingml/2006/main" xmlns:r="http://schemas.openxmlformats.org/officeDocument/2006/relationships" xmlns:p="http://schemas.openxmlformats.org/presentationml/2006/main">
-  <p:cSld>
-    <p:spTree>
-      <p:nvGrpSpPr>
-        <p:cNvPr id="1" name=""/>
-        <p:cNvGrpSpPr/>
-        <p:nvPr/>
-      </p:nvGrpSpPr>
-      <p:grpSpPr>
-        <a:xfrm>
-          <a:off x="0" y="0"/>
-          <a:ext cx="0" cy="0"/>
-          <a:chOff x="0" y="0"/>
-          <a:chExt cx="0" cy="0"/>
-        </a:xfrm>
-      </p:grpSpPr>
-      <p:sp>
-        <p:nvSpPr>
-          <p:cNvPr id="2" name="Title 1">
-            <a:extLst>
-              <a:ext uri="{FF2B5EF4-FFF2-40B4-BE49-F238E27FC236}">
-                <a16:creationId xmlns:a16="http://schemas.microsoft.com/office/drawing/2014/main" id="{EEB3B9DB-3023-47B5-A3E6-F1C63D09EA28}"/>
-              </a:ext>
-            </a:extLst>
-          </p:cNvPr>
-          <p:cNvSpPr>
-            <a:spLocks noGrp="1"/>
-          </p:cNvSpPr>
-          <p:nvPr>
-            <p:ph type="title"/>
-          </p:nvPr>
-        </p:nvSpPr>
-        <p:spPr/>
-        <p:txBody>
-          <a:bodyPr/>
-          <a:lstStyle/>
-          <a:p>
-            <a:r>
-              <a:rPr lang="en-US"/>
-              <a:t>(matrixs) to vectors</a:t>
-            </a:r>
-          </a:p>
-        </p:txBody>
-      </p:sp>
-      <p:sp>
-        <p:nvSpPr>
-          <p:cNvPr id="3" name="Content Placeholder 2">
-            <a:extLst>
-              <a:ext uri="{FF2B5EF4-FFF2-40B4-BE49-F238E27FC236}">
-                <a16:creationId xmlns:a16="http://schemas.microsoft.com/office/drawing/2014/main" id="{85E5B558-D613-4881-A353-F965D8994ED8}"/>
-              </a:ext>
-            </a:extLst>
-          </p:cNvPr>
-          <p:cNvSpPr>
-            <a:spLocks noGrp="1"/>
-          </p:cNvSpPr>
-          <p:nvPr>
-            <p:ph idx="1"/>
-          </p:nvPr>
-        </p:nvSpPr>
-        <p:spPr/>
-        <p:txBody>
-          <a:bodyPr/>
-          <a:lstStyle/>
-          <a:p>
-            <a:pPr marL="457200" indent="-457200">
-              <a:buFont typeface="+mj-lt"/>
-              <a:buAutoNum type="arabicPeriod"/>
-            </a:pPr>
-            <a:r>
-              <a:rPr lang="en-US" sz="2400">
-                <a:solidFill>
-                  <a:srgbClr val="0066FF"/>
-                </a:solidFill>
-                <a:latin typeface="Courier New" panose="02070309020205020404" pitchFamily="49" charset="0"/>
-                <a:cs typeface="Courier New" panose="02070309020205020404" pitchFamily="49" charset="0"/>
-              </a:rPr>
-              <a:t># convert images (matrixs) to vectors</a:t>
-            </a:r>
-          </a:p>
-          <a:p>
-            <a:pPr marL="457200" indent="-457200">
-              <a:buFont typeface="+mj-lt"/>
-              <a:buAutoNum type="arabicPeriod"/>
-            </a:pPr>
-            <a:r>
-              <a:rPr lang="en-US" sz="2400">
-                <a:latin typeface="Courier New" panose="02070309020205020404" pitchFamily="49" charset="0"/>
-                <a:cs typeface="Courier New" panose="02070309020205020404" pitchFamily="49" charset="0"/>
-              </a:rPr>
-              <a:t>n = len(img_train)</a:t>
-            </a:r>
-          </a:p>
-          <a:p>
-            <a:pPr marL="457200" indent="-457200">
-              <a:buFont typeface="+mj-lt"/>
-              <a:buAutoNum type="arabicPeriod"/>
-            </a:pPr>
-            <a:r>
-              <a:rPr lang="en-US" sz="2400">
-                <a:latin typeface="Courier New" panose="02070309020205020404" pitchFamily="49" charset="0"/>
-                <a:cs typeface="Courier New" panose="02070309020205020404" pitchFamily="49" charset="0"/>
-              </a:rPr>
-              <a:t>data = </a:t>
-            </a:r>
-            <a:r>
-              <a:rPr lang="en-US" sz="2400">
-                <a:solidFill>
-                  <a:srgbClr val="0066FF"/>
-                </a:solidFill>
-                <a:latin typeface="Courier New" panose="02070309020205020404" pitchFamily="49" charset="0"/>
-                <a:cs typeface="Courier New" panose="02070309020205020404" pitchFamily="49" charset="0"/>
-              </a:rPr>
-              <a:t>img_train.reshape</a:t>
-            </a:r>
-            <a:r>
-              <a:rPr lang="en-US" sz="2400">
-                <a:latin typeface="Courier New" panose="02070309020205020404" pitchFamily="49" charset="0"/>
-                <a:cs typeface="Courier New" panose="02070309020205020404" pitchFamily="49" charset="0"/>
-              </a:rPr>
-              <a:t>(n, -1)</a:t>
-            </a:r>
-          </a:p>
-          <a:p>
-            <a:pPr marL="457200" indent="-457200">
-              <a:buFont typeface="+mj-lt"/>
-              <a:buAutoNum type="arabicPeriod"/>
-            </a:pPr>
-            <a:r>
-              <a:rPr lang="en-US" sz="2400">
-                <a:latin typeface="Courier New" panose="02070309020205020404" pitchFamily="49" charset="0"/>
-                <a:cs typeface="Courier New" panose="02070309020205020404" pitchFamily="49" charset="0"/>
-              </a:rPr>
-              <a:t>print(data.shape)</a:t>
-            </a:r>
-          </a:p>
-        </p:txBody>
-      </p:sp>
-    </p:spTree>
-    <p:extLst>
-      <p:ext uri="{BB962C8B-B14F-4D97-AF65-F5344CB8AC3E}">
-        <p14:creationId xmlns:p14="http://schemas.microsoft.com/office/powerpoint/2010/main" val="2763761337"/>
-      </p:ext>
-    </p:extLst>
-  </p:cSld>
-  <p:clrMapOvr>
-    <a:masterClrMapping/>
-  </p:clrMapOvr>
-  <p:transition/>
-</p:sld>
-</file>
-
-<file path=ppt/slides/slide16.xml><?xml version="1.0" encoding="utf-8"?>
-<p:sld xmlns:a="http://schemas.openxmlformats.org/drawingml/2006/main" xmlns:r="http://schemas.openxmlformats.org/officeDocument/2006/relationships" xmlns:p="http://schemas.openxmlformats.org/presentationml/2006/main">
-  <p:cSld>
-    <p:spTree>
-      <p:nvGrpSpPr>
-        <p:cNvPr id="1" name=""/>
-        <p:cNvGrpSpPr/>
-        <p:nvPr/>
-      </p:nvGrpSpPr>
-      <p:grpSpPr>
-        <a:xfrm>
-          <a:off x="0" y="0"/>
-          <a:ext cx="0" cy="0"/>
-          <a:chOff x="0" y="0"/>
-          <a:chExt cx="0" cy="0"/>
-        </a:xfrm>
-      </p:grpSpPr>
-      <p:sp>
-        <p:nvSpPr>
-          <p:cNvPr id="2" name="Title 1">
-            <a:extLst>
-              <a:ext uri="{FF2B5EF4-FFF2-40B4-BE49-F238E27FC236}">
-                <a16:creationId xmlns:a16="http://schemas.microsoft.com/office/drawing/2014/main" id="{3632F705-A2E5-4497-BE8E-0A2423ED465C}"/>
-              </a:ext>
-            </a:extLst>
-          </p:cNvPr>
-          <p:cNvSpPr>
-            <a:spLocks noGrp="1"/>
-          </p:cNvSpPr>
-          <p:nvPr>
-            <p:ph type="title"/>
-          </p:nvPr>
-        </p:nvSpPr>
-        <p:spPr/>
-        <p:txBody>
-          <a:bodyPr/>
-          <a:lstStyle/>
-          <a:p>
-            <a:r>
-              <a:rPr lang="en-US"/>
-              <a:t>KNN classifier</a:t>
-            </a:r>
-          </a:p>
-        </p:txBody>
-      </p:sp>
-      <p:sp>
-        <p:nvSpPr>
-          <p:cNvPr id="3" name="Content Placeholder 2">
-            <a:extLst>
-              <a:ext uri="{FF2B5EF4-FFF2-40B4-BE49-F238E27FC236}">
-                <a16:creationId xmlns:a16="http://schemas.microsoft.com/office/drawing/2014/main" id="{FBA5DBB4-1D5C-4CCE-9FBC-3CB0D1C4CC2B}"/>
-              </a:ext>
-            </a:extLst>
-          </p:cNvPr>
-          <p:cNvSpPr>
-            <a:spLocks noGrp="1"/>
-          </p:cNvSpPr>
-          <p:nvPr>
-            <p:ph idx="1"/>
-          </p:nvPr>
-        </p:nvSpPr>
-        <p:spPr/>
-        <p:txBody>
-          <a:bodyPr/>
-          <a:lstStyle/>
-          <a:p>
-            <a:pPr marL="457200" indent="-457200">
-              <a:buFont typeface="+mj-lt"/>
-              <a:buAutoNum type="arabicPeriod"/>
-            </a:pPr>
-            <a:r>
-              <a:rPr lang="en-US" sz="2400">
-                <a:solidFill>
-                  <a:srgbClr val="0066FF"/>
-                </a:solidFill>
-                <a:latin typeface="Courier New" panose="02070309020205020404" pitchFamily="49" charset="0"/>
-                <a:cs typeface="Courier New" panose="02070309020205020404" pitchFamily="49" charset="0"/>
-              </a:rPr>
-              <a:t># create KNN classifier</a:t>
-            </a:r>
-          </a:p>
-          <a:p>
-            <a:pPr marL="457200" indent="-457200">
-              <a:buFont typeface="+mj-lt"/>
-              <a:buAutoNum type="arabicPeriod"/>
-            </a:pPr>
-            <a:r>
-              <a:rPr lang="en-US" sz="2400">
-                <a:solidFill>
-                  <a:srgbClr val="FF0000"/>
-                </a:solidFill>
-                <a:latin typeface="Courier New" panose="02070309020205020404" pitchFamily="49" charset="0"/>
-                <a:cs typeface="Courier New" panose="02070309020205020404" pitchFamily="49" charset="0"/>
-              </a:rPr>
-              <a:t>k = 1</a:t>
-            </a:r>
-          </a:p>
-          <a:p>
-            <a:pPr marL="457200" indent="-457200">
-              <a:buFont typeface="+mj-lt"/>
-              <a:buAutoNum type="arabicPeriod"/>
-            </a:pPr>
-            <a:r>
-              <a:rPr lang="en-US" sz="2400">
-                <a:latin typeface="Courier New" panose="02070309020205020404" pitchFamily="49" charset="0"/>
-                <a:cs typeface="Courier New" panose="02070309020205020404" pitchFamily="49" charset="0"/>
-              </a:rPr>
-              <a:t>knn = KNeighborsClassifier</a:t>
-            </a:r>
-            <a:br>
-              <a:rPr lang="en-US" sz="2400">
-                <a:latin typeface="Courier New" panose="02070309020205020404" pitchFamily="49" charset="0"/>
-                <a:cs typeface="Courier New" panose="02070309020205020404" pitchFamily="49" charset="0"/>
-              </a:rPr>
-            </a:br>
-            <a:r>
-              <a:rPr lang="en-US" sz="2400">
-                <a:latin typeface="Courier New" panose="02070309020205020404" pitchFamily="49" charset="0"/>
-                <a:cs typeface="Courier New" panose="02070309020205020404" pitchFamily="49" charset="0"/>
-              </a:rPr>
-              <a:t>(metric=</a:t>
-            </a:r>
-            <a:r>
-              <a:rPr lang="en-US" sz="2400">
-                <a:solidFill>
-                  <a:srgbClr val="FF0000"/>
-                </a:solidFill>
-                <a:latin typeface="Courier New" panose="02070309020205020404" pitchFamily="49" charset="0"/>
-                <a:cs typeface="Courier New" panose="02070309020205020404" pitchFamily="49" charset="0"/>
-              </a:rPr>
-              <a:t>'minkowski’</a:t>
-            </a:r>
-            <a:r>
-              <a:rPr lang="en-US" sz="2400">
-                <a:latin typeface="Courier New" panose="02070309020205020404" pitchFamily="49" charset="0"/>
-                <a:cs typeface="Courier New" panose="02070309020205020404" pitchFamily="49" charset="0"/>
-              </a:rPr>
-              <a:t>, p=2, n_neighbors=</a:t>
-            </a:r>
-            <a:r>
-              <a:rPr lang="en-US" sz="2400">
-                <a:solidFill>
-                  <a:srgbClr val="FF0000"/>
-                </a:solidFill>
-                <a:latin typeface="Courier New" panose="02070309020205020404" pitchFamily="49" charset="0"/>
-                <a:cs typeface="Courier New" panose="02070309020205020404" pitchFamily="49" charset="0"/>
-              </a:rPr>
-              <a:t>k</a:t>
-            </a:r>
-            <a:r>
-              <a:rPr lang="en-US" sz="2400">
-                <a:latin typeface="Courier New" panose="02070309020205020404" pitchFamily="49" charset="0"/>
-                <a:cs typeface="Courier New" panose="02070309020205020404" pitchFamily="49" charset="0"/>
-              </a:rPr>
-              <a:t>)</a:t>
-            </a:r>
-          </a:p>
-          <a:p>
-            <a:pPr marL="457200" indent="-457200">
-              <a:buFont typeface="+mj-lt"/>
-              <a:buAutoNum type="arabicPeriod"/>
-            </a:pPr>
-            <a:r>
-              <a:rPr lang="en-US" sz="2400">
-                <a:latin typeface="Courier New" panose="02070309020205020404" pitchFamily="49" charset="0"/>
-                <a:cs typeface="Courier New" panose="02070309020205020404" pitchFamily="49" charset="0"/>
-              </a:rPr>
-              <a:t>knn.fit(data, val_train)</a:t>
-            </a:r>
-          </a:p>
-        </p:txBody>
-      </p:sp>
-      <p:pic>
-        <p:nvPicPr>
-          <p:cNvPr id="5" name="Picture 4">
-            <a:extLst>
-              <a:ext uri="{FF2B5EF4-FFF2-40B4-BE49-F238E27FC236}">
-                <a16:creationId xmlns:a16="http://schemas.microsoft.com/office/drawing/2014/main" id="{0E6A44E6-4F58-4B23-B63D-42CF08B94633}"/>
-              </a:ext>
-            </a:extLst>
-          </p:cNvPr>
-          <p:cNvPicPr>
-            <a:picLocks noChangeAspect="1"/>
-          </p:cNvPicPr>
-          <p:nvPr/>
-        </p:nvPicPr>
-        <p:blipFill>
-          <a:blip r:embed="rId2"/>
-          <a:stretch>
-            <a:fillRect/>
-          </a:stretch>
-        </p:blipFill>
-        <p:spPr>
-          <a:xfrm>
-            <a:off x="647700" y="4343400"/>
-            <a:ext cx="7848600" cy="788885"/>
-          </a:xfrm>
-          <a:prstGeom prst="rect">
-            <a:avLst/>
-          </a:prstGeom>
-        </p:spPr>
-      </p:pic>
-    </p:spTree>
-    <p:extLst>
-      <p:ext uri="{BB962C8B-B14F-4D97-AF65-F5344CB8AC3E}">
-        <p14:creationId xmlns:p14="http://schemas.microsoft.com/office/powerpoint/2010/main" val="673885199"/>
-      </p:ext>
-    </p:extLst>
-  </p:cSld>
-  <p:clrMapOvr>
-    <a:masterClrMapping/>
-  </p:clrMapOvr>
-  <p:transition/>
-</p:sld>
-</file>
-
-<file path=ppt/slides/slide17.xml><?xml version="1.0" encoding="utf-8"?>
-<p:sld xmlns:a="http://schemas.openxmlformats.org/drawingml/2006/main" xmlns:r="http://schemas.openxmlformats.org/officeDocument/2006/relationships" xmlns:p="http://schemas.openxmlformats.org/presentationml/2006/main">
-  <p:cSld>
-    <p:spTree>
-      <p:nvGrpSpPr>
-        <p:cNvPr id="1" name=""/>
-        <p:cNvGrpSpPr/>
-        <p:nvPr/>
-      </p:nvGrpSpPr>
-      <p:grpSpPr>
-        <a:xfrm>
-          <a:off x="0" y="0"/>
-          <a:ext cx="0" cy="0"/>
-          <a:chOff x="0" y="0"/>
-          <a:chExt cx="0" cy="0"/>
-        </a:xfrm>
-      </p:grpSpPr>
-      <p:sp>
-        <p:nvSpPr>
-          <p:cNvPr id="2" name="Title 1">
-            <a:extLst>
-              <a:ext uri="{FF2B5EF4-FFF2-40B4-BE49-F238E27FC236}">
-                <a16:creationId xmlns:a16="http://schemas.microsoft.com/office/drawing/2014/main" id="{910A0515-C2D7-44CB-843D-1E95B83491BF}"/>
-              </a:ext>
-            </a:extLst>
-          </p:cNvPr>
-          <p:cNvSpPr>
-            <a:spLocks noGrp="1"/>
-          </p:cNvSpPr>
-          <p:nvPr>
-            <p:ph type="title"/>
-          </p:nvPr>
-        </p:nvSpPr>
-        <p:spPr/>
-        <p:txBody>
-          <a:bodyPr/>
-          <a:lstStyle/>
-          <a:p>
-            <a:r>
-              <a:rPr lang="en-US"/>
-              <a:t>(matrixs) to vectors </a:t>
-            </a:r>
-          </a:p>
-        </p:txBody>
-      </p:sp>
-      <p:sp>
-        <p:nvSpPr>
-          <p:cNvPr id="3" name="Content Placeholder 2">
-            <a:extLst>
-              <a:ext uri="{FF2B5EF4-FFF2-40B4-BE49-F238E27FC236}">
-                <a16:creationId xmlns:a16="http://schemas.microsoft.com/office/drawing/2014/main" id="{4E057A26-ED84-4ED9-9905-DDB7971D2B9A}"/>
-              </a:ext>
-            </a:extLst>
-          </p:cNvPr>
-          <p:cNvSpPr>
-            <a:spLocks noGrp="1"/>
-          </p:cNvSpPr>
-          <p:nvPr>
-            <p:ph idx="1"/>
-          </p:nvPr>
-        </p:nvSpPr>
-        <p:spPr/>
-        <p:txBody>
-          <a:bodyPr/>
-          <a:lstStyle/>
-          <a:p>
-            <a:pPr marL="457200" indent="-457200">
-              <a:buFont typeface="+mj-lt"/>
-              <a:buAutoNum type="arabicPeriod"/>
-            </a:pPr>
-            <a:r>
-              <a:rPr lang="en-US" sz="2400">
-                <a:solidFill>
-                  <a:srgbClr val="0066FF"/>
-                </a:solidFill>
-                <a:latin typeface="Courier New" panose="02070309020205020404" pitchFamily="49" charset="0"/>
-                <a:cs typeface="Courier New" panose="02070309020205020404" pitchFamily="49" charset="0"/>
-              </a:rPr>
-              <a:t># convert test images (matrixs) to vectors</a:t>
-            </a:r>
-          </a:p>
-          <a:p>
-            <a:pPr marL="457200" indent="-457200">
-              <a:buFont typeface="+mj-lt"/>
-              <a:buAutoNum type="arabicPeriod"/>
-            </a:pPr>
-            <a:r>
-              <a:rPr lang="en-US" sz="2400">
-                <a:latin typeface="Courier New" panose="02070309020205020404" pitchFamily="49" charset="0"/>
-                <a:cs typeface="Courier New" panose="02070309020205020404" pitchFamily="49" charset="0"/>
-              </a:rPr>
-              <a:t>n = len(</a:t>
-            </a:r>
-            <a:r>
-              <a:rPr lang="en-US" sz="2400">
-                <a:solidFill>
-                  <a:srgbClr val="FF0000"/>
-                </a:solidFill>
-                <a:latin typeface="Courier New" panose="02070309020205020404" pitchFamily="49" charset="0"/>
-                <a:cs typeface="Courier New" panose="02070309020205020404" pitchFamily="49" charset="0"/>
-              </a:rPr>
-              <a:t>img_test</a:t>
-            </a:r>
-            <a:r>
-              <a:rPr lang="en-US" sz="2400">
-                <a:latin typeface="Courier New" panose="02070309020205020404" pitchFamily="49" charset="0"/>
-                <a:cs typeface="Courier New" panose="02070309020205020404" pitchFamily="49" charset="0"/>
-              </a:rPr>
-              <a:t>)</a:t>
-            </a:r>
-          </a:p>
-          <a:p>
-            <a:pPr marL="457200" indent="-457200">
-              <a:buFont typeface="+mj-lt"/>
-              <a:buAutoNum type="arabicPeriod"/>
-            </a:pPr>
-            <a:r>
-              <a:rPr lang="en-US" sz="2400">
-                <a:latin typeface="Courier New" panose="02070309020205020404" pitchFamily="49" charset="0"/>
-                <a:cs typeface="Courier New" panose="02070309020205020404" pitchFamily="49" charset="0"/>
-              </a:rPr>
-              <a:t>test_data = img_test.reshape(n, -1)</a:t>
-            </a:r>
-          </a:p>
-          <a:p>
-            <a:pPr marL="457200" indent="-457200">
-              <a:buFont typeface="+mj-lt"/>
-              <a:buAutoNum type="arabicPeriod"/>
-            </a:pPr>
-            <a:r>
-              <a:rPr lang="en-US" sz="2400">
-                <a:solidFill>
-                  <a:srgbClr val="0066FF"/>
-                </a:solidFill>
-                <a:latin typeface="Courier New" panose="02070309020205020404" pitchFamily="49" charset="0"/>
-                <a:cs typeface="Courier New" panose="02070309020205020404" pitchFamily="49" charset="0"/>
-              </a:rPr>
-              <a:t># predict data </a:t>
-            </a:r>
-            <a:r>
-              <a:rPr lang="en-US" sz="2400">
-                <a:solidFill>
-                  <a:srgbClr val="FF0000"/>
-                </a:solidFill>
-                <a:latin typeface="Courier New" panose="02070309020205020404" pitchFamily="49" charset="0"/>
-                <a:cs typeface="Courier New" panose="02070309020205020404" pitchFamily="49" charset="0"/>
-              </a:rPr>
-              <a:t>(1000)</a:t>
-            </a:r>
-          </a:p>
-          <a:p>
-            <a:pPr marL="457200" indent="-457200">
-              <a:buFont typeface="+mj-lt"/>
-              <a:buAutoNum type="arabicPeriod"/>
-            </a:pPr>
-            <a:r>
-              <a:rPr lang="en-US" sz="2400">
-                <a:latin typeface="Courier New" panose="02070309020205020404" pitchFamily="49" charset="0"/>
-                <a:cs typeface="Courier New" panose="02070309020205020404" pitchFamily="49" charset="0"/>
-              </a:rPr>
-              <a:t>predicted = knn.predict(test_data)</a:t>
-            </a:r>
-          </a:p>
-          <a:p>
-            <a:pPr marL="457200" indent="-457200">
-              <a:buFont typeface="+mj-lt"/>
-              <a:buAutoNum type="arabicPeriod"/>
-            </a:pPr>
-            <a:r>
-              <a:rPr lang="en-US" sz="2400">
-                <a:latin typeface="Courier New" panose="02070309020205020404" pitchFamily="49" charset="0"/>
-                <a:cs typeface="Courier New" panose="02070309020205020404" pitchFamily="49" charset="0"/>
-              </a:rPr>
-              <a:t>print(len(predicted))</a:t>
-            </a:r>
-          </a:p>
-        </p:txBody>
-      </p:sp>
-    </p:spTree>
-    <p:extLst>
-      <p:ext uri="{BB962C8B-B14F-4D97-AF65-F5344CB8AC3E}">
-        <p14:creationId xmlns:p14="http://schemas.microsoft.com/office/powerpoint/2010/main" val="328340332"/>
-      </p:ext>
-    </p:extLst>
-  </p:cSld>
-  <p:clrMapOvr>
-    <a:masterClrMapping/>
-  </p:clrMapOvr>
-  <p:transition/>
-</p:sld>
-</file>
-
-<file path=ppt/slides/slide18.xml><?xml version="1.0" encoding="utf-8"?>
-<p:sld xmlns:a="http://schemas.openxmlformats.org/drawingml/2006/main" xmlns:r="http://schemas.openxmlformats.org/officeDocument/2006/relationships" xmlns:p="http://schemas.openxmlformats.org/presentationml/2006/main">
-  <p:cSld>
-    <p:spTree>
-      <p:nvGrpSpPr>
-        <p:cNvPr id="1" name=""/>
-        <p:cNvGrpSpPr/>
-        <p:nvPr/>
-      </p:nvGrpSpPr>
-      <p:grpSpPr>
-        <a:xfrm>
-          <a:off x="0" y="0"/>
-          <a:ext cx="0" cy="0"/>
-          <a:chOff x="0" y="0"/>
-          <a:chExt cx="0" cy="0"/>
-        </a:xfrm>
-      </p:grpSpPr>
-      <p:sp>
-        <p:nvSpPr>
-          <p:cNvPr id="2" name="Title 1">
-            <a:extLst>
-              <a:ext uri="{FF2B5EF4-FFF2-40B4-BE49-F238E27FC236}">
-                <a16:creationId xmlns:a16="http://schemas.microsoft.com/office/drawing/2014/main" id="{E73109D1-A118-4E46-BE70-956F59179C7F}"/>
-              </a:ext>
-            </a:extLst>
-          </p:cNvPr>
-          <p:cNvSpPr>
-            <a:spLocks noGrp="1"/>
-          </p:cNvSpPr>
-          <p:nvPr>
-            <p:ph type="title"/>
-          </p:nvPr>
-        </p:nvSpPr>
-        <p:spPr/>
-        <p:txBody>
-          <a:bodyPr/>
-          <a:lstStyle/>
-          <a:p>
-            <a:r>
-              <a:rPr lang="en-US"/>
-              <a:t>Accuracy average</a:t>
-            </a:r>
-          </a:p>
-        </p:txBody>
-      </p:sp>
-      <p:sp>
-        <p:nvSpPr>
-          <p:cNvPr id="3" name="Content Placeholder 2">
-            <a:extLst>
-              <a:ext uri="{FF2B5EF4-FFF2-40B4-BE49-F238E27FC236}">
-                <a16:creationId xmlns:a16="http://schemas.microsoft.com/office/drawing/2014/main" id="{DDDB513B-353C-4125-99B4-DEF1DDF589B6}"/>
-              </a:ext>
-            </a:extLst>
-          </p:cNvPr>
-          <p:cNvSpPr>
-            <a:spLocks noGrp="1"/>
-          </p:cNvSpPr>
-          <p:nvPr>
-            <p:ph idx="1"/>
-          </p:nvPr>
-        </p:nvSpPr>
-        <p:spPr/>
-        <p:txBody>
-          <a:bodyPr/>
-          <a:lstStyle/>
-          <a:p>
-            <a:pPr marL="457200" indent="-457200">
-              <a:buFont typeface="+mj-lt"/>
-              <a:buAutoNum type="arabicPeriod"/>
-            </a:pPr>
-            <a:r>
-              <a:rPr lang="en-US" sz="2400">
-                <a:solidFill>
-                  <a:srgbClr val="0066FF"/>
-                </a:solidFill>
-                <a:latin typeface="Courier New" panose="02070309020205020404" pitchFamily="49" charset="0"/>
-                <a:cs typeface="Courier New" panose="02070309020205020404" pitchFamily="49" charset="0"/>
-              </a:rPr>
-              <a:t># calculate accuracy average</a:t>
-            </a:r>
-          </a:p>
-          <a:p>
-            <a:pPr marL="457200" indent="-457200">
-              <a:buFont typeface="+mj-lt"/>
-              <a:buAutoNum type="arabicPeriod"/>
-            </a:pPr>
-            <a:r>
-              <a:rPr lang="en-US" sz="2400">
-                <a:latin typeface="Courier New" panose="02070309020205020404" pitchFamily="49" charset="0"/>
-                <a:cs typeface="Courier New" panose="02070309020205020404" pitchFamily="49" charset="0"/>
-              </a:rPr>
-              <a:t>num_correct=0</a:t>
-            </a:r>
-          </a:p>
-          <a:p>
-            <a:pPr marL="457200" indent="-457200">
-              <a:buFont typeface="+mj-lt"/>
-              <a:buAutoNum type="arabicPeriod"/>
-            </a:pPr>
-            <a:r>
-              <a:rPr lang="en-US" sz="2400">
-                <a:latin typeface="Courier New" panose="02070309020205020404" pitchFamily="49" charset="0"/>
-                <a:cs typeface="Courier New" panose="02070309020205020404" pitchFamily="49" charset="0"/>
-              </a:rPr>
-              <a:t>for i in range(0,len(val_test)):</a:t>
-            </a:r>
-          </a:p>
-          <a:p>
-            <a:pPr marL="457200" indent="-457200">
-              <a:buFont typeface="+mj-lt"/>
-              <a:buAutoNum type="arabicPeriod"/>
-            </a:pPr>
-            <a:r>
-              <a:rPr lang="en-US" sz="2400">
-                <a:latin typeface="Courier New" panose="02070309020205020404" pitchFamily="49" charset="0"/>
-                <a:cs typeface="Courier New" panose="02070309020205020404" pitchFamily="49" charset="0"/>
-              </a:rPr>
-              <a:t>    if val_test[i] == predicted[i]:</a:t>
-            </a:r>
-          </a:p>
-          <a:p>
-            <a:pPr marL="457200" indent="-457200">
-              <a:buFont typeface="+mj-lt"/>
-              <a:buAutoNum type="arabicPeriod"/>
-            </a:pPr>
-            <a:r>
-              <a:rPr lang="en-US" sz="2400">
-                <a:latin typeface="Courier New" panose="02070309020205020404" pitchFamily="49" charset="0"/>
-                <a:cs typeface="Courier New" panose="02070309020205020404" pitchFamily="49" charset="0"/>
-              </a:rPr>
-              <a:t>        num_correct +=1</a:t>
-            </a:r>
-          </a:p>
-          <a:p>
-            <a:pPr marL="457200" indent="-457200">
-              <a:buFont typeface="+mj-lt"/>
-              <a:buAutoNum type="arabicPeriod"/>
-            </a:pPr>
-            <a:r>
-              <a:rPr lang="en-US" sz="2400">
-                <a:latin typeface="Courier New" panose="02070309020205020404" pitchFamily="49" charset="0"/>
-                <a:cs typeface="Courier New" panose="02070309020205020404" pitchFamily="49" charset="0"/>
-              </a:rPr>
-              <a:t>print("Accuracy:\n%s" % str(float(num_correct / float(len(val_test)))))</a:t>
-            </a:r>
-          </a:p>
-        </p:txBody>
-      </p:sp>
-      <p:pic>
-        <p:nvPicPr>
-          <p:cNvPr id="4" name="Picture 3">
-            <a:extLst>
-              <a:ext uri="{FF2B5EF4-FFF2-40B4-BE49-F238E27FC236}">
-                <a16:creationId xmlns:a16="http://schemas.microsoft.com/office/drawing/2014/main" id="{5F942BCA-54B0-42FC-BED2-479DBCE4718F}"/>
-              </a:ext>
-            </a:extLst>
-          </p:cNvPr>
-          <p:cNvPicPr>
-            <a:picLocks noChangeAspect="1"/>
-          </p:cNvPicPr>
-          <p:nvPr/>
-        </p:nvPicPr>
-        <p:blipFill>
-          <a:blip r:embed="rId2"/>
-          <a:stretch>
-            <a:fillRect/>
-          </a:stretch>
-        </p:blipFill>
-        <p:spPr>
-          <a:xfrm>
-            <a:off x="914400" y="5181600"/>
-            <a:ext cx="4533900" cy="771525"/>
-          </a:xfrm>
-          <a:prstGeom prst="rect">
-            <a:avLst/>
-          </a:prstGeom>
-        </p:spPr>
-      </p:pic>
-    </p:spTree>
-    <p:extLst>
-      <p:ext uri="{BB962C8B-B14F-4D97-AF65-F5344CB8AC3E}">
-        <p14:creationId xmlns:p14="http://schemas.microsoft.com/office/powerpoint/2010/main" val="383290034"/>
-      </p:ext>
-    </p:extLst>
-  </p:cSld>
-  <p:clrMapOvr>
-    <a:masterClrMapping/>
-  </p:clrMapOvr>
-  <p:transition/>
-</p:sld>
-</file>
-
-<file path=ppt/slides/slide19.xml><?xml version="1.0" encoding="utf-8"?>
-<p:sld xmlns:a="http://schemas.openxmlformats.org/drawingml/2006/main" xmlns:r="http://schemas.openxmlformats.org/officeDocument/2006/relationships" xmlns:p="http://schemas.openxmlformats.org/presentationml/2006/main">
-  <p:cSld>
-    <p:spTree>
-      <p:nvGrpSpPr>
-        <p:cNvPr id="1" name=""/>
-        <p:cNvGrpSpPr/>
-        <p:nvPr/>
-      </p:nvGrpSpPr>
-      <p:grpSpPr>
-        <a:xfrm>
-          <a:off x="0" y="0"/>
-          <a:ext cx="0" cy="0"/>
-          <a:chOff x="0" y="0"/>
-          <a:chExt cx="0" cy="0"/>
-        </a:xfrm>
-      </p:grpSpPr>
-      <p:sp>
-        <p:nvSpPr>
-          <p:cNvPr id="4" name="Title 3">
-            <a:extLst>
-              <a:ext uri="{FF2B5EF4-FFF2-40B4-BE49-F238E27FC236}">
-                <a16:creationId xmlns:a16="http://schemas.microsoft.com/office/drawing/2014/main" id="{388CE0A8-BA06-4360-BF85-A82A51B662DD}"/>
-              </a:ext>
-            </a:extLst>
-          </p:cNvPr>
-          <p:cNvSpPr>
-            <a:spLocks noGrp="1"/>
-          </p:cNvSpPr>
-          <p:nvPr>
-            <p:ph type="title"/>
-          </p:nvPr>
-        </p:nvSpPr>
-        <p:spPr/>
-        <p:txBody>
-          <a:bodyPr/>
-          <a:lstStyle/>
-          <a:p>
-            <a:r>
-              <a:rPr lang="en-US"/>
-              <a:t>KNN with Cosine similarity</a:t>
-            </a:r>
-          </a:p>
-        </p:txBody>
-      </p:sp>
-      <p:sp>
-        <p:nvSpPr>
-          <p:cNvPr id="5" name="Text Placeholder 4">
-            <a:extLst>
-              <a:ext uri="{FF2B5EF4-FFF2-40B4-BE49-F238E27FC236}">
-                <a16:creationId xmlns:a16="http://schemas.microsoft.com/office/drawing/2014/main" id="{FB9265C8-8450-4F98-B628-A9C41360BE8B}"/>
-              </a:ext>
-            </a:extLst>
-          </p:cNvPr>
-          <p:cNvSpPr>
-            <a:spLocks noGrp="1"/>
-          </p:cNvSpPr>
-          <p:nvPr>
-            <p:ph type="body" idx="1"/>
-          </p:nvPr>
-        </p:nvSpPr>
-        <p:spPr/>
-        <p:txBody>
-          <a:bodyPr/>
-          <a:lstStyle/>
-          <a:p>
-            <a:r>
-              <a:rPr lang="en-US"/>
-              <a:t>MNIST dataset</a:t>
-            </a:r>
-          </a:p>
-        </p:txBody>
-      </p:sp>
-    </p:spTree>
-    <p:extLst>
-      <p:ext uri="{BB962C8B-B14F-4D97-AF65-F5344CB8AC3E}">
-        <p14:creationId xmlns:p14="http://schemas.microsoft.com/office/powerpoint/2010/main" val="1524269268"/>
-      </p:ext>
-    </p:extLst>
-  </p:cSld>
-  <p:clrMapOvr>
-    <a:masterClrMapping/>
-  </p:clrMapOvr>
-  <p:transition/>
-</p:sld>
-</file>
-
 <file path=ppt/slides/slide2.xml><?xml version="1.0" encoding="utf-8"?>
 <p:sld xmlns:a="http://schemas.openxmlformats.org/drawingml/2006/main" xmlns:r="http://schemas.openxmlformats.org/officeDocument/2006/relationships" xmlns:p="http://schemas.openxmlformats.org/presentationml/2006/main">
   <p:cSld>
@@ -6456,2053 +5064,6 @@
     <p:extLst>
       <p:ext uri="{BB962C8B-B14F-4D97-AF65-F5344CB8AC3E}">
         <p14:creationId xmlns:p14="http://schemas.microsoft.com/office/powerpoint/2010/main" val="571468190"/>
-      </p:ext>
-    </p:extLst>
-  </p:cSld>
-  <p:clrMapOvr>
-    <a:masterClrMapping/>
-  </p:clrMapOvr>
-  <p:transition/>
-</p:sld>
-</file>
-
-<file path=ppt/slides/slide20.xml><?xml version="1.0" encoding="utf-8"?>
-<p:sld xmlns:a="http://schemas.openxmlformats.org/drawingml/2006/main" xmlns:r="http://schemas.openxmlformats.org/officeDocument/2006/relationships" xmlns:p="http://schemas.openxmlformats.org/presentationml/2006/main">
-  <p:cSld>
-    <p:spTree>
-      <p:nvGrpSpPr>
-        <p:cNvPr id="1" name=""/>
-        <p:cNvGrpSpPr/>
-        <p:nvPr/>
-      </p:nvGrpSpPr>
-      <p:grpSpPr>
-        <a:xfrm>
-          <a:off x="0" y="0"/>
-          <a:ext cx="0" cy="0"/>
-          <a:chOff x="0" y="0"/>
-          <a:chExt cx="0" cy="0"/>
-        </a:xfrm>
-      </p:grpSpPr>
-      <p:sp>
-        <p:nvSpPr>
-          <p:cNvPr id="2" name="Title 1">
-            <a:extLst>
-              <a:ext uri="{FF2B5EF4-FFF2-40B4-BE49-F238E27FC236}">
-                <a16:creationId xmlns:a16="http://schemas.microsoft.com/office/drawing/2014/main" id="{FE5BF66E-80E8-4124-A321-68605B32C2BB}"/>
-              </a:ext>
-            </a:extLst>
-          </p:cNvPr>
-          <p:cNvSpPr>
-            <a:spLocks noGrp="1"/>
-          </p:cNvSpPr>
-          <p:nvPr>
-            <p:ph type="title"/>
-          </p:nvPr>
-        </p:nvSpPr>
-        <p:spPr/>
-        <p:txBody>
-          <a:bodyPr/>
-          <a:lstStyle/>
-          <a:p>
-            <a:r>
-              <a:rPr lang="en-US"/>
-              <a:t>Cosine similarity</a:t>
-            </a:r>
-          </a:p>
-        </p:txBody>
-      </p:sp>
-      <p:sp>
-        <p:nvSpPr>
-          <p:cNvPr id="3" name="Content Placeholder 2">
-            <a:extLst>
-              <a:ext uri="{FF2B5EF4-FFF2-40B4-BE49-F238E27FC236}">
-                <a16:creationId xmlns:a16="http://schemas.microsoft.com/office/drawing/2014/main" id="{500F6336-FCD0-498B-B369-4E1F48A216FE}"/>
-              </a:ext>
-            </a:extLst>
-          </p:cNvPr>
-          <p:cNvSpPr>
-            <a:spLocks noGrp="1"/>
-          </p:cNvSpPr>
-          <p:nvPr>
-            <p:ph idx="1"/>
-          </p:nvPr>
-        </p:nvSpPr>
-        <p:spPr/>
-        <p:txBody>
-          <a:bodyPr/>
-          <a:lstStyle/>
-          <a:p>
-            <a:pPr marL="457200" indent="-457200">
-              <a:buFont typeface="+mj-lt"/>
-              <a:buAutoNum type="arabicPeriod"/>
-            </a:pPr>
-            <a:r>
-              <a:rPr lang="en-US" sz="2400">
-                <a:solidFill>
-                  <a:srgbClr val="008000"/>
-                </a:solidFill>
-                <a:latin typeface="Courier New" panose="02070309020205020404" pitchFamily="49" charset="0"/>
-                <a:cs typeface="Courier New" panose="02070309020205020404" pitchFamily="49" charset="0"/>
-              </a:rPr>
-              <a:t># declare and asign values for variables</a:t>
-            </a:r>
-          </a:p>
-          <a:p>
-            <a:pPr marL="457200" indent="-457200">
-              <a:buFont typeface="+mj-lt"/>
-              <a:buAutoNum type="arabicPeriod"/>
-            </a:pPr>
-            <a:r>
-              <a:rPr lang="en-US" sz="2400">
-                <a:latin typeface="Courier New" panose="02070309020205020404" pitchFamily="49" charset="0"/>
-                <a:cs typeface="Courier New" panose="02070309020205020404" pitchFamily="49" charset="0"/>
-              </a:rPr>
-              <a:t>max_k = </a:t>
-            </a:r>
-            <a:r>
-              <a:rPr lang="en-US" sz="2400">
-                <a:solidFill>
-                  <a:srgbClr val="0066FF"/>
-                </a:solidFill>
-                <a:latin typeface="Courier New" panose="02070309020205020404" pitchFamily="49" charset="0"/>
-                <a:cs typeface="Courier New" panose="02070309020205020404" pitchFamily="49" charset="0"/>
-              </a:rPr>
-              <a:t>29</a:t>
-            </a:r>
-          </a:p>
-          <a:p>
-            <a:pPr marL="457200" indent="-457200">
-              <a:buFont typeface="+mj-lt"/>
-              <a:buAutoNum type="arabicPeriod"/>
-            </a:pPr>
-            <a:r>
-              <a:rPr lang="en-US" sz="2400">
-                <a:solidFill>
-                  <a:srgbClr val="0066FF"/>
-                </a:solidFill>
-                <a:latin typeface="Courier New" panose="02070309020205020404" pitchFamily="49" charset="0"/>
-                <a:cs typeface="Courier New" panose="02070309020205020404" pitchFamily="49" charset="0"/>
-              </a:rPr>
-              <a:t>dist_algo</a:t>
-            </a:r>
-            <a:r>
-              <a:rPr lang="en-US" sz="2400">
-                <a:latin typeface="Courier New" panose="02070309020205020404" pitchFamily="49" charset="0"/>
-                <a:cs typeface="Courier New" panose="02070309020205020404" pitchFamily="49" charset="0"/>
-              </a:rPr>
-              <a:t> = </a:t>
-            </a:r>
-            <a:r>
-              <a:rPr lang="en-US" sz="2400">
-                <a:solidFill>
-                  <a:srgbClr val="FF0000"/>
-                </a:solidFill>
-                <a:latin typeface="Courier New" panose="02070309020205020404" pitchFamily="49" charset="0"/>
-                <a:cs typeface="Courier New" panose="02070309020205020404" pitchFamily="49" charset="0"/>
-              </a:rPr>
-              <a:t>'cosine'</a:t>
-            </a:r>
-          </a:p>
-          <a:p>
-            <a:pPr marL="457200" indent="-457200">
-              <a:buFont typeface="+mj-lt"/>
-              <a:buAutoNum type="arabicPeriod"/>
-            </a:pPr>
-            <a:r>
-              <a:rPr lang="en-US" sz="2400">
-                <a:latin typeface="Courier New" panose="02070309020205020404" pitchFamily="49" charset="0"/>
-                <a:cs typeface="Courier New" panose="02070309020205020404" pitchFamily="49" charset="0"/>
-              </a:rPr>
-              <a:t>index_name = []</a:t>
-            </a:r>
-          </a:p>
-          <a:p>
-            <a:pPr marL="457200" indent="-457200">
-              <a:buFont typeface="+mj-lt"/>
-              <a:buAutoNum type="arabicPeriod"/>
-            </a:pPr>
-            <a:r>
-              <a:rPr lang="en-US" sz="2400">
-                <a:latin typeface="Courier New" panose="02070309020205020404" pitchFamily="49" charset="0"/>
-                <a:cs typeface="Courier New" panose="02070309020205020404" pitchFamily="49" charset="0"/>
-              </a:rPr>
-              <a:t>train_time = []</a:t>
-            </a:r>
-          </a:p>
-          <a:p>
-            <a:pPr marL="457200" indent="-457200">
-              <a:buFont typeface="+mj-lt"/>
-              <a:buAutoNum type="arabicPeriod"/>
-            </a:pPr>
-            <a:r>
-              <a:rPr lang="en-US" sz="2400">
-                <a:latin typeface="Courier New" panose="02070309020205020404" pitchFamily="49" charset="0"/>
-                <a:cs typeface="Courier New" panose="02070309020205020404" pitchFamily="49" charset="0"/>
-              </a:rPr>
-              <a:t>predict_time = []</a:t>
-            </a:r>
-          </a:p>
-          <a:p>
-            <a:pPr marL="457200" indent="-457200">
-              <a:buFont typeface="+mj-lt"/>
-              <a:buAutoNum type="arabicPeriod"/>
-            </a:pPr>
-            <a:r>
-              <a:rPr lang="en-US" sz="2400">
-                <a:latin typeface="Courier New" panose="02070309020205020404" pitchFamily="49" charset="0"/>
-                <a:cs typeface="Courier New" panose="02070309020205020404" pitchFamily="49" charset="0"/>
-              </a:rPr>
-              <a:t>accuracy = []</a:t>
-            </a:r>
-          </a:p>
-          <a:p>
-            <a:pPr marL="457200" indent="-457200">
-              <a:buFont typeface="+mj-lt"/>
-              <a:buAutoNum type="arabicPeriod"/>
-            </a:pPr>
-            <a:r>
-              <a:rPr lang="en-US" sz="2400">
-                <a:latin typeface="Courier New" panose="02070309020205020404" pitchFamily="49" charset="0"/>
-                <a:cs typeface="Courier New" panose="02070309020205020404" pitchFamily="49" charset="0"/>
-              </a:rPr>
-              <a:t>headers = [</a:t>
-            </a:r>
-            <a:r>
-              <a:rPr lang="en-US" sz="1800">
-                <a:solidFill>
-                  <a:srgbClr val="0066FF"/>
-                </a:solidFill>
-                <a:latin typeface="Courier New" panose="02070309020205020404" pitchFamily="49" charset="0"/>
-                <a:cs typeface="Courier New" panose="02070309020205020404" pitchFamily="49" charset="0"/>
-              </a:rPr>
-              <a:t>'train-time'</a:t>
-            </a:r>
-            <a:r>
-              <a:rPr lang="en-US" sz="1800">
-                <a:latin typeface="Courier New" panose="02070309020205020404" pitchFamily="49" charset="0"/>
-                <a:cs typeface="Courier New" panose="02070309020205020404" pitchFamily="49" charset="0"/>
-              </a:rPr>
-              <a:t>,</a:t>
-            </a:r>
-            <a:r>
-              <a:rPr lang="en-US" sz="1800">
-                <a:solidFill>
-                  <a:srgbClr val="0066FF"/>
-                </a:solidFill>
-                <a:latin typeface="Courier New" panose="02070309020205020404" pitchFamily="49" charset="0"/>
-                <a:cs typeface="Courier New" panose="02070309020205020404" pitchFamily="49" charset="0"/>
-              </a:rPr>
-              <a:t>'predict-time'</a:t>
-            </a:r>
-            <a:r>
-              <a:rPr lang="en-US" sz="1800">
-                <a:latin typeface="Courier New" panose="02070309020205020404" pitchFamily="49" charset="0"/>
-                <a:cs typeface="Courier New" panose="02070309020205020404" pitchFamily="49" charset="0"/>
-              </a:rPr>
-              <a:t>,</a:t>
-            </a:r>
-            <a:r>
-              <a:rPr lang="en-US" sz="1800">
-                <a:solidFill>
-                  <a:srgbClr val="0066FF"/>
-                </a:solidFill>
-                <a:latin typeface="Courier New" panose="02070309020205020404" pitchFamily="49" charset="0"/>
-                <a:cs typeface="Courier New" panose="02070309020205020404" pitchFamily="49" charset="0"/>
-              </a:rPr>
-              <a:t>'accuracy'</a:t>
-            </a:r>
-            <a:r>
-              <a:rPr lang="en-US" sz="2400">
-                <a:latin typeface="Courier New" panose="02070309020205020404" pitchFamily="49" charset="0"/>
-                <a:cs typeface="Courier New" panose="02070309020205020404" pitchFamily="49" charset="0"/>
-              </a:rPr>
-              <a:t>]</a:t>
-            </a:r>
-          </a:p>
-        </p:txBody>
-      </p:sp>
-    </p:spTree>
-    <p:extLst>
-      <p:ext uri="{BB962C8B-B14F-4D97-AF65-F5344CB8AC3E}">
-        <p14:creationId xmlns:p14="http://schemas.microsoft.com/office/powerpoint/2010/main" val="2776758975"/>
-      </p:ext>
-    </p:extLst>
-  </p:cSld>
-  <p:clrMapOvr>
-    <a:masterClrMapping/>
-  </p:clrMapOvr>
-  <p:transition/>
-</p:sld>
-</file>
-
-<file path=ppt/slides/slide21.xml><?xml version="1.0" encoding="utf-8"?>
-<p:sld xmlns:a="http://schemas.openxmlformats.org/drawingml/2006/main" xmlns:r="http://schemas.openxmlformats.org/officeDocument/2006/relationships" xmlns:p="http://schemas.openxmlformats.org/presentationml/2006/main">
-  <p:cSld>
-    <p:spTree>
-      <p:nvGrpSpPr>
-        <p:cNvPr id="1" name=""/>
-        <p:cNvGrpSpPr/>
-        <p:nvPr/>
-      </p:nvGrpSpPr>
-      <p:grpSpPr>
-        <a:xfrm>
-          <a:off x="0" y="0"/>
-          <a:ext cx="0" cy="0"/>
-          <a:chOff x="0" y="0"/>
-          <a:chExt cx="0" cy="0"/>
-        </a:xfrm>
-      </p:grpSpPr>
-      <p:sp>
-        <p:nvSpPr>
-          <p:cNvPr id="2" name="Title 1">
-            <a:extLst>
-              <a:ext uri="{FF2B5EF4-FFF2-40B4-BE49-F238E27FC236}">
-                <a16:creationId xmlns:a16="http://schemas.microsoft.com/office/drawing/2014/main" id="{C6F457B2-CD73-4585-A454-BC376FF7032A}"/>
-              </a:ext>
-            </a:extLst>
-          </p:cNvPr>
-          <p:cNvSpPr>
-            <a:spLocks noGrp="1"/>
-          </p:cNvSpPr>
-          <p:nvPr>
-            <p:ph type="title"/>
-          </p:nvPr>
-        </p:nvSpPr>
-        <p:spPr/>
-        <p:txBody>
-          <a:bodyPr/>
-          <a:lstStyle/>
-          <a:p>
-            <a:r>
-              <a:rPr lang="en-US"/>
-              <a:t>Cosine similarity</a:t>
-            </a:r>
-          </a:p>
-        </p:txBody>
-      </p:sp>
-      <p:sp>
-        <p:nvSpPr>
-          <p:cNvPr id="3" name="Content Placeholder 2">
-            <a:extLst>
-              <a:ext uri="{FF2B5EF4-FFF2-40B4-BE49-F238E27FC236}">
-                <a16:creationId xmlns:a16="http://schemas.microsoft.com/office/drawing/2014/main" id="{1F55B8BD-FD6B-4A9E-BE63-74CF72E1B06A}"/>
-              </a:ext>
-            </a:extLst>
-          </p:cNvPr>
-          <p:cNvSpPr>
-            <a:spLocks noGrp="1"/>
-          </p:cNvSpPr>
-          <p:nvPr>
-            <p:ph idx="1"/>
-          </p:nvPr>
-        </p:nvSpPr>
-        <p:spPr/>
-        <p:txBody>
-          <a:bodyPr/>
-          <a:lstStyle/>
-          <a:p>
-            <a:pPr marL="457200" indent="-457200">
-              <a:buFont typeface="+mj-lt"/>
-              <a:buAutoNum type="arabicPeriod" startAt="10"/>
-            </a:pPr>
-            <a:r>
-              <a:rPr lang="en-US" sz="2400">
-                <a:solidFill>
-                  <a:srgbClr val="008000"/>
-                </a:solidFill>
-                <a:latin typeface="Courier New" panose="02070309020205020404" pitchFamily="49" charset="0"/>
-                <a:cs typeface="Courier New" panose="02070309020205020404" pitchFamily="49" charset="0"/>
-              </a:rPr>
-              <a:t># train model with KNN</a:t>
-            </a:r>
-          </a:p>
-          <a:p>
-            <a:pPr marL="457200" indent="-457200">
-              <a:buFont typeface="+mj-lt"/>
-              <a:buAutoNum type="arabicPeriod" startAt="10"/>
-            </a:pPr>
-            <a:r>
-              <a:rPr lang="en-US" sz="2400">
-                <a:latin typeface="Courier New" panose="02070309020205020404" pitchFamily="49" charset="0"/>
-                <a:cs typeface="Courier New" panose="02070309020205020404" pitchFamily="49" charset="0"/>
-              </a:rPr>
-              <a:t>for k in range(1, max_k+1, 2):</a:t>
-            </a:r>
-          </a:p>
-          <a:p>
-            <a:pPr marL="457200" indent="-457200">
-              <a:buFont typeface="+mj-lt"/>
-              <a:buAutoNum type="arabicPeriod" startAt="10"/>
-            </a:pPr>
-            <a:r>
-              <a:rPr lang="en-US" sz="2400">
-                <a:latin typeface="Courier New" panose="02070309020205020404" pitchFamily="49" charset="0"/>
-                <a:cs typeface="Courier New" panose="02070309020205020404" pitchFamily="49" charset="0"/>
-              </a:rPr>
-              <a:t>    print('Training ' + str(k) + </a:t>
-            </a:r>
-            <a:br>
-              <a:rPr lang="en-US" sz="2400">
-                <a:latin typeface="Courier New" panose="02070309020205020404" pitchFamily="49" charset="0"/>
-                <a:cs typeface="Courier New" panose="02070309020205020404" pitchFamily="49" charset="0"/>
-              </a:rPr>
-            </a:br>
-            <a:r>
-              <a:rPr lang="en-US" sz="2400">
-                <a:latin typeface="Courier New" panose="02070309020205020404" pitchFamily="49" charset="0"/>
-                <a:cs typeface="Courier New" panose="02070309020205020404" pitchFamily="49" charset="0"/>
-              </a:rPr>
-              <a:t>          '-NN with ' + </a:t>
-            </a:r>
-            <a:r>
-              <a:rPr lang="en-US" sz="2400">
-                <a:solidFill>
-                  <a:srgbClr val="FF0000"/>
-                </a:solidFill>
-                <a:latin typeface="Courier New" panose="02070309020205020404" pitchFamily="49" charset="0"/>
-                <a:cs typeface="Courier New" panose="02070309020205020404" pitchFamily="49" charset="0"/>
-              </a:rPr>
-              <a:t>dist_algo </a:t>
-            </a:r>
-            <a:r>
-              <a:rPr lang="en-US" sz="2400">
-                <a:latin typeface="Courier New" panose="02070309020205020404" pitchFamily="49" charset="0"/>
-                <a:cs typeface="Courier New" panose="02070309020205020404" pitchFamily="49" charset="0"/>
-              </a:rPr>
-              <a:t>+ </a:t>
-            </a:r>
-            <a:br>
-              <a:rPr lang="en-US" sz="2400">
-                <a:latin typeface="Courier New" panose="02070309020205020404" pitchFamily="49" charset="0"/>
-                <a:cs typeface="Courier New" panose="02070309020205020404" pitchFamily="49" charset="0"/>
-              </a:rPr>
-            </a:br>
-            <a:r>
-              <a:rPr lang="en-US" sz="2400">
-                <a:latin typeface="Courier New" panose="02070309020205020404" pitchFamily="49" charset="0"/>
-                <a:cs typeface="Courier New" panose="02070309020205020404" pitchFamily="49" charset="0"/>
-              </a:rPr>
-              <a:t>          ' distance algorithm')</a:t>
-            </a:r>
-          </a:p>
-          <a:p>
-            <a:pPr marL="457200" indent="-457200">
-              <a:buFont typeface="+mj-lt"/>
-              <a:buAutoNum type="arabicPeriod" startAt="10"/>
-            </a:pPr>
-            <a:r>
-              <a:rPr lang="en-US" sz="2400">
-                <a:latin typeface="Courier New" panose="02070309020205020404" pitchFamily="49" charset="0"/>
-                <a:cs typeface="Courier New" panose="02070309020205020404" pitchFamily="49" charset="0"/>
-              </a:rPr>
-              <a:t>    </a:t>
-            </a:r>
-            <a:r>
-              <a:rPr lang="en-US" sz="2400">
-                <a:solidFill>
-                  <a:srgbClr val="0066FF"/>
-                </a:solidFill>
-                <a:latin typeface="Courier New" panose="02070309020205020404" pitchFamily="49" charset="0"/>
-                <a:cs typeface="Courier New" panose="02070309020205020404" pitchFamily="49" charset="0"/>
-              </a:rPr>
-              <a:t>index_name.append</a:t>
-            </a:r>
-            <a:r>
-              <a:rPr lang="en-US" sz="2400">
-                <a:latin typeface="Courier New" panose="02070309020205020404" pitchFamily="49" charset="0"/>
-                <a:cs typeface="Courier New" panose="02070309020205020404" pitchFamily="49" charset="0"/>
-              </a:rPr>
-              <a:t>(str(k) + '-NN’)</a:t>
-            </a:r>
-            <a:endParaRPr lang="en-US" sz="1600">
-              <a:latin typeface="Courier New" panose="02070309020205020404" pitchFamily="49" charset="0"/>
-              <a:cs typeface="Courier New" panose="02070309020205020404" pitchFamily="49" charset="0"/>
-            </a:endParaRPr>
-          </a:p>
-          <a:p>
-            <a:pPr marL="457200" indent="-457200">
-              <a:buFont typeface="+mj-lt"/>
-              <a:buAutoNum type="arabicPeriod" startAt="10"/>
-            </a:pPr>
-            <a:r>
-              <a:rPr lang="en-US" sz="2400">
-                <a:latin typeface="Courier New" panose="02070309020205020404" pitchFamily="49" charset="0"/>
-                <a:cs typeface="Courier New" panose="02070309020205020404" pitchFamily="49" charset="0"/>
-              </a:rPr>
-              <a:t>    …</a:t>
-            </a:r>
-          </a:p>
-        </p:txBody>
-      </p:sp>
-    </p:spTree>
-    <p:extLst>
-      <p:ext uri="{BB962C8B-B14F-4D97-AF65-F5344CB8AC3E}">
-        <p14:creationId xmlns:p14="http://schemas.microsoft.com/office/powerpoint/2010/main" val="281621862"/>
-      </p:ext>
-    </p:extLst>
-  </p:cSld>
-  <p:clrMapOvr>
-    <a:masterClrMapping/>
-  </p:clrMapOvr>
-  <p:transition/>
-</p:sld>
-</file>
-
-<file path=ppt/slides/slide22.xml><?xml version="1.0" encoding="utf-8"?>
-<p:sld xmlns:a="http://schemas.openxmlformats.org/drawingml/2006/main" xmlns:r="http://schemas.openxmlformats.org/officeDocument/2006/relationships" xmlns:p="http://schemas.openxmlformats.org/presentationml/2006/main">
-  <p:cSld>
-    <p:spTree>
-      <p:nvGrpSpPr>
-        <p:cNvPr id="1" name=""/>
-        <p:cNvGrpSpPr/>
-        <p:nvPr/>
-      </p:nvGrpSpPr>
-      <p:grpSpPr>
-        <a:xfrm>
-          <a:off x="0" y="0"/>
-          <a:ext cx="0" cy="0"/>
-          <a:chOff x="0" y="0"/>
-          <a:chExt cx="0" cy="0"/>
-        </a:xfrm>
-      </p:grpSpPr>
-      <p:sp>
-        <p:nvSpPr>
-          <p:cNvPr id="2" name="Title 1">
-            <a:extLst>
-              <a:ext uri="{FF2B5EF4-FFF2-40B4-BE49-F238E27FC236}">
-                <a16:creationId xmlns:a16="http://schemas.microsoft.com/office/drawing/2014/main" id="{A41C2EE9-D671-416B-A0D2-2BDBF103696C}"/>
-              </a:ext>
-            </a:extLst>
-          </p:cNvPr>
-          <p:cNvSpPr>
-            <a:spLocks noGrp="1"/>
-          </p:cNvSpPr>
-          <p:nvPr>
-            <p:ph type="title"/>
-          </p:nvPr>
-        </p:nvSpPr>
-        <p:spPr/>
-        <p:txBody>
-          <a:bodyPr/>
-          <a:lstStyle/>
-          <a:p>
-            <a:r>
-              <a:rPr lang="en-US"/>
-              <a:t>Cosine similarity</a:t>
-            </a:r>
-          </a:p>
-        </p:txBody>
-      </p:sp>
-      <p:sp>
-        <p:nvSpPr>
-          <p:cNvPr id="3" name="Content Placeholder 2">
-            <a:extLst>
-              <a:ext uri="{FF2B5EF4-FFF2-40B4-BE49-F238E27FC236}">
-                <a16:creationId xmlns:a16="http://schemas.microsoft.com/office/drawing/2014/main" id="{7BA0783F-00CB-4205-8AA8-430435AB11BF}"/>
-              </a:ext>
-            </a:extLst>
-          </p:cNvPr>
-          <p:cNvSpPr>
-            <a:spLocks noGrp="1"/>
-          </p:cNvSpPr>
-          <p:nvPr>
-            <p:ph idx="1"/>
-          </p:nvPr>
-        </p:nvSpPr>
-        <p:spPr/>
-        <p:txBody>
-          <a:bodyPr/>
-          <a:lstStyle/>
-          <a:p>
-            <a:pPr marL="457200" indent="-457200">
-              <a:buFont typeface="+mj-lt"/>
-              <a:buAutoNum type="arabicPeriod" startAt="14"/>
-            </a:pPr>
-            <a:r>
-              <a:rPr lang="en-US" sz="2400">
-                <a:latin typeface="Courier New" panose="02070309020205020404" pitchFamily="49" charset="0"/>
-                <a:cs typeface="Courier New" panose="02070309020205020404" pitchFamily="49" charset="0"/>
-              </a:rPr>
-              <a:t>    …</a:t>
-            </a:r>
-          </a:p>
-          <a:p>
-            <a:pPr marL="457200" indent="-457200">
-              <a:buFont typeface="+mj-lt"/>
-              <a:buAutoNum type="arabicPeriod" startAt="14"/>
-            </a:pPr>
-            <a:r>
-              <a:rPr lang="en-US" sz="2400">
-                <a:solidFill>
-                  <a:srgbClr val="008000"/>
-                </a:solidFill>
-                <a:latin typeface="Courier New" panose="02070309020205020404" pitchFamily="49" charset="0"/>
-                <a:cs typeface="Courier New" panose="02070309020205020404" pitchFamily="49" charset="0"/>
-              </a:rPr>
-              <a:t>    # create KNN classifier</a:t>
-            </a:r>
-          </a:p>
-          <a:p>
-            <a:pPr marL="457200" indent="-457200">
-              <a:buFont typeface="+mj-lt"/>
-              <a:buAutoNum type="arabicPeriod" startAt="14"/>
-            </a:pPr>
-            <a:r>
-              <a:rPr lang="en-US" sz="2400">
-                <a:latin typeface="Courier New" panose="02070309020205020404" pitchFamily="49" charset="0"/>
-                <a:cs typeface="Courier New" panose="02070309020205020404" pitchFamily="49" charset="0"/>
-              </a:rPr>
-              <a:t>    start = time.time()</a:t>
-            </a:r>
-          </a:p>
-          <a:p>
-            <a:pPr marL="457200" indent="-457200">
-              <a:buFont typeface="+mj-lt"/>
-              <a:buAutoNum type="arabicPeriod" startAt="14"/>
-            </a:pPr>
-            <a:r>
-              <a:rPr lang="en-US" sz="2400">
-                <a:latin typeface="Courier New" panose="02070309020205020404" pitchFamily="49" charset="0"/>
-                <a:cs typeface="Courier New" panose="02070309020205020404" pitchFamily="49" charset="0"/>
-              </a:rPr>
-              <a:t>    knn = </a:t>
-            </a:r>
-            <a:r>
-              <a:rPr lang="en-US" sz="2400">
-                <a:solidFill>
-                  <a:srgbClr val="0066FF"/>
-                </a:solidFill>
-                <a:latin typeface="Courier New" panose="02070309020205020404" pitchFamily="49" charset="0"/>
-                <a:cs typeface="Courier New" panose="02070309020205020404" pitchFamily="49" charset="0"/>
-              </a:rPr>
-              <a:t>KNeighborsClassifier</a:t>
-            </a:r>
-            <a:br>
-              <a:rPr lang="en-US" sz="2400">
-                <a:latin typeface="Courier New" panose="02070309020205020404" pitchFamily="49" charset="0"/>
-                <a:cs typeface="Courier New" panose="02070309020205020404" pitchFamily="49" charset="0"/>
-              </a:rPr>
-            </a:br>
-            <a:r>
-              <a:rPr lang="en-US" sz="2400">
-                <a:latin typeface="Courier New" panose="02070309020205020404" pitchFamily="49" charset="0"/>
-                <a:cs typeface="Courier New" panose="02070309020205020404" pitchFamily="49" charset="0"/>
-              </a:rPr>
-              <a:t>	 (</a:t>
-            </a:r>
-            <a:r>
-              <a:rPr lang="en-US" sz="2400">
-                <a:solidFill>
-                  <a:srgbClr val="FF0000"/>
-                </a:solidFill>
-                <a:latin typeface="Courier New" panose="02070309020205020404" pitchFamily="49" charset="0"/>
-                <a:cs typeface="Courier New" panose="02070309020205020404" pitchFamily="49" charset="0"/>
-              </a:rPr>
-              <a:t>metric ='cosine'</a:t>
-            </a:r>
-            <a:r>
-              <a:rPr lang="en-US" sz="2400">
-                <a:latin typeface="Courier New" panose="02070309020205020404" pitchFamily="49" charset="0"/>
-                <a:cs typeface="Courier New" panose="02070309020205020404" pitchFamily="49" charset="0"/>
-              </a:rPr>
-              <a:t>, p=2, </a:t>
-            </a:r>
-            <a:r>
-              <a:rPr lang="en-US" sz="2400">
-                <a:solidFill>
-                  <a:srgbClr val="0066FF"/>
-                </a:solidFill>
-                <a:latin typeface="Courier New" panose="02070309020205020404" pitchFamily="49" charset="0"/>
-                <a:cs typeface="Courier New" panose="02070309020205020404" pitchFamily="49" charset="0"/>
-              </a:rPr>
-              <a:t>n_neighbors=k</a:t>
-            </a:r>
-            <a:r>
-              <a:rPr lang="en-US" sz="2400">
-                <a:latin typeface="Courier New" panose="02070309020205020404" pitchFamily="49" charset="0"/>
-                <a:cs typeface="Courier New" panose="02070309020205020404" pitchFamily="49" charset="0"/>
-              </a:rPr>
-              <a:t>)</a:t>
-            </a:r>
-          </a:p>
-          <a:p>
-            <a:pPr marL="457200" indent="-457200">
-              <a:buFont typeface="+mj-lt"/>
-              <a:buAutoNum type="arabicPeriod" startAt="14"/>
-            </a:pPr>
-            <a:r>
-              <a:rPr lang="en-US" sz="2400">
-                <a:latin typeface="Courier New" panose="02070309020205020404" pitchFamily="49" charset="0"/>
-                <a:cs typeface="Courier New" panose="02070309020205020404" pitchFamily="49" charset="0"/>
-              </a:rPr>
-              <a:t>    knn.fit(data, </a:t>
-            </a:r>
-            <a:r>
-              <a:rPr lang="en-US" sz="2400">
-                <a:solidFill>
-                  <a:srgbClr val="0066FF"/>
-                </a:solidFill>
-                <a:latin typeface="Courier New" panose="02070309020205020404" pitchFamily="49" charset="0"/>
-                <a:cs typeface="Courier New" panose="02070309020205020404" pitchFamily="49" charset="0"/>
-              </a:rPr>
-              <a:t>val_train</a:t>
-            </a:r>
-            <a:r>
-              <a:rPr lang="en-US" sz="2400">
-                <a:latin typeface="Courier New" panose="02070309020205020404" pitchFamily="49" charset="0"/>
-                <a:cs typeface="Courier New" panose="02070309020205020404" pitchFamily="49" charset="0"/>
-              </a:rPr>
-              <a:t>)</a:t>
-            </a:r>
-          </a:p>
-          <a:p>
-            <a:pPr marL="457200" indent="-457200">
-              <a:buFont typeface="+mj-lt"/>
-              <a:buAutoNum type="arabicPeriod" startAt="14"/>
-            </a:pPr>
-            <a:r>
-              <a:rPr lang="en-US" sz="2400">
-                <a:latin typeface="Courier New" panose="02070309020205020404" pitchFamily="49" charset="0"/>
-                <a:cs typeface="Courier New" panose="02070309020205020404" pitchFamily="49" charset="0"/>
-              </a:rPr>
-              <a:t>    end = time.time()</a:t>
-            </a:r>
-          </a:p>
-          <a:p>
-            <a:pPr marL="457200" indent="-457200">
-              <a:buFont typeface="+mj-lt"/>
-              <a:buAutoNum type="arabicPeriod" startAt="14"/>
-            </a:pPr>
-            <a:r>
-              <a:rPr lang="en-US" sz="2400">
-                <a:latin typeface="Courier New" panose="02070309020205020404" pitchFamily="49" charset="0"/>
-                <a:cs typeface="Courier New" panose="02070309020205020404" pitchFamily="49" charset="0"/>
-              </a:rPr>
-              <a:t>    print("Training time:%s seconds"%   					</a:t>
-            </a:r>
-            <a:r>
-              <a:rPr lang="en-US" sz="2400">
-                <a:solidFill>
-                  <a:srgbClr val="0066FF"/>
-                </a:solidFill>
-                <a:latin typeface="Courier New" panose="02070309020205020404" pitchFamily="49" charset="0"/>
-                <a:cs typeface="Courier New" panose="02070309020205020404" pitchFamily="49" charset="0"/>
-              </a:rPr>
-              <a:t>str(end - start)</a:t>
-            </a:r>
-            <a:r>
-              <a:rPr lang="en-US" sz="2400">
-                <a:latin typeface="Courier New" panose="02070309020205020404" pitchFamily="49" charset="0"/>
-                <a:cs typeface="Courier New" panose="02070309020205020404" pitchFamily="49" charset="0"/>
-              </a:rPr>
-              <a:t>)</a:t>
-            </a:r>
-          </a:p>
-          <a:p>
-            <a:pPr marL="457200" indent="-457200">
-              <a:buFont typeface="+mj-lt"/>
-              <a:buAutoNum type="arabicPeriod" startAt="14"/>
-            </a:pPr>
-            <a:r>
-              <a:rPr lang="en-US" sz="2400">
-                <a:latin typeface="Courier New" panose="02070309020205020404" pitchFamily="49" charset="0"/>
-                <a:cs typeface="Courier New" panose="02070309020205020404" pitchFamily="49" charset="0"/>
-              </a:rPr>
-              <a:t>    </a:t>
-            </a:r>
-            <a:r>
-              <a:rPr lang="en-US" sz="2400">
-                <a:solidFill>
-                  <a:srgbClr val="0066FF"/>
-                </a:solidFill>
-                <a:latin typeface="Courier New" panose="02070309020205020404" pitchFamily="49" charset="0"/>
-                <a:cs typeface="Courier New" panose="02070309020205020404" pitchFamily="49" charset="0"/>
-              </a:rPr>
-              <a:t>train_time.append</a:t>
-            </a:r>
-            <a:r>
-              <a:rPr lang="en-US" sz="2400">
-                <a:latin typeface="Courier New" panose="02070309020205020404" pitchFamily="49" charset="0"/>
-                <a:cs typeface="Courier New" panose="02070309020205020404" pitchFamily="49" charset="0"/>
-              </a:rPr>
-              <a:t>(round(end-start,2))</a:t>
-            </a:r>
-          </a:p>
-        </p:txBody>
-      </p:sp>
-    </p:spTree>
-    <p:extLst>
-      <p:ext uri="{BB962C8B-B14F-4D97-AF65-F5344CB8AC3E}">
-        <p14:creationId xmlns:p14="http://schemas.microsoft.com/office/powerpoint/2010/main" val="1308155691"/>
-      </p:ext>
-    </p:extLst>
-  </p:cSld>
-  <p:clrMapOvr>
-    <a:masterClrMapping/>
-  </p:clrMapOvr>
-  <p:transition/>
-</p:sld>
-</file>
-
-<file path=ppt/slides/slide23.xml><?xml version="1.0" encoding="utf-8"?>
-<p:sld xmlns:a="http://schemas.openxmlformats.org/drawingml/2006/main" xmlns:r="http://schemas.openxmlformats.org/officeDocument/2006/relationships" xmlns:p="http://schemas.openxmlformats.org/presentationml/2006/main">
-  <p:cSld>
-    <p:spTree>
-      <p:nvGrpSpPr>
-        <p:cNvPr id="1" name=""/>
-        <p:cNvGrpSpPr/>
-        <p:nvPr/>
-      </p:nvGrpSpPr>
-      <p:grpSpPr>
-        <a:xfrm>
-          <a:off x="0" y="0"/>
-          <a:ext cx="0" cy="0"/>
-          <a:chOff x="0" y="0"/>
-          <a:chExt cx="0" cy="0"/>
-        </a:xfrm>
-      </p:grpSpPr>
-      <p:sp>
-        <p:nvSpPr>
-          <p:cNvPr id="2" name="Title 1">
-            <a:extLst>
-              <a:ext uri="{FF2B5EF4-FFF2-40B4-BE49-F238E27FC236}">
-                <a16:creationId xmlns:a16="http://schemas.microsoft.com/office/drawing/2014/main" id="{6ADE50EC-9329-4298-96BD-35169F6A3E5F}"/>
-              </a:ext>
-            </a:extLst>
-          </p:cNvPr>
-          <p:cNvSpPr>
-            <a:spLocks noGrp="1"/>
-          </p:cNvSpPr>
-          <p:nvPr>
-            <p:ph type="title"/>
-          </p:nvPr>
-        </p:nvSpPr>
-        <p:spPr/>
-        <p:txBody>
-          <a:bodyPr/>
-          <a:lstStyle/>
-          <a:p>
-            <a:r>
-              <a:rPr lang="en-US"/>
-              <a:t>Cosine similarity</a:t>
-            </a:r>
-          </a:p>
-        </p:txBody>
-      </p:sp>
-      <p:sp>
-        <p:nvSpPr>
-          <p:cNvPr id="3" name="Content Placeholder 2">
-            <a:extLst>
-              <a:ext uri="{FF2B5EF4-FFF2-40B4-BE49-F238E27FC236}">
-                <a16:creationId xmlns:a16="http://schemas.microsoft.com/office/drawing/2014/main" id="{7796F555-0CEC-4F7D-B3FD-CDB926CD5B66}"/>
-              </a:ext>
-            </a:extLst>
-          </p:cNvPr>
-          <p:cNvSpPr>
-            <a:spLocks noGrp="1"/>
-          </p:cNvSpPr>
-          <p:nvPr>
-            <p:ph idx="1"/>
-          </p:nvPr>
-        </p:nvSpPr>
-        <p:spPr/>
-        <p:txBody>
-          <a:bodyPr/>
-          <a:lstStyle/>
-          <a:p>
-            <a:pPr marL="457200" indent="-457200">
-              <a:buFont typeface="+mj-lt"/>
-              <a:buAutoNum type="arabicPeriod" startAt="22"/>
-            </a:pPr>
-            <a:r>
-              <a:rPr lang="en-US" sz="2400">
-                <a:latin typeface="Courier New" panose="02070309020205020404" pitchFamily="49" charset="0"/>
-                <a:cs typeface="Courier New" panose="02070309020205020404" pitchFamily="49" charset="0"/>
-              </a:rPr>
-              <a:t>    …</a:t>
-            </a:r>
-          </a:p>
-          <a:p>
-            <a:pPr marL="457200" indent="-457200">
-              <a:buFont typeface="+mj-lt"/>
-              <a:buAutoNum type="arabicPeriod" startAt="22"/>
-            </a:pPr>
-            <a:r>
-              <a:rPr lang="en-US" sz="2400">
-                <a:latin typeface="Courier New" panose="02070309020205020404" pitchFamily="49" charset="0"/>
-                <a:cs typeface="Courier New" panose="02070309020205020404" pitchFamily="49" charset="0"/>
-              </a:rPr>
-              <a:t>    </a:t>
-            </a:r>
-            <a:r>
-              <a:rPr lang="en-US" sz="2400">
-                <a:solidFill>
-                  <a:srgbClr val="008000"/>
-                </a:solidFill>
-                <a:latin typeface="Courier New" panose="02070309020205020404" pitchFamily="49" charset="0"/>
-                <a:cs typeface="Courier New" panose="02070309020205020404" pitchFamily="49" charset="0"/>
-              </a:rPr>
-              <a:t># save model using joblib</a:t>
-            </a:r>
-          </a:p>
-          <a:p>
-            <a:pPr marL="457200" indent="-457200">
-              <a:buFont typeface="+mj-lt"/>
-              <a:buAutoNum type="arabicPeriod" startAt="22"/>
-            </a:pPr>
-            <a:r>
-              <a:rPr lang="en-US" sz="2400">
-                <a:latin typeface="Courier New" panose="02070309020205020404" pitchFamily="49" charset="0"/>
-                <a:cs typeface="Courier New" panose="02070309020205020404" pitchFamily="49" charset="0"/>
-              </a:rPr>
-              <a:t>    filename = str(k) + '-NN ‘ +  				   </a:t>
-            </a:r>
-            <a:r>
-              <a:rPr lang="en-US" sz="2400">
-                <a:solidFill>
-                  <a:srgbClr val="FF0000"/>
-                </a:solidFill>
-                <a:latin typeface="Courier New" panose="02070309020205020404" pitchFamily="49" charset="0"/>
-                <a:cs typeface="Courier New" panose="02070309020205020404" pitchFamily="49" charset="0"/>
-              </a:rPr>
-              <a:t>dist_algo</a:t>
-            </a:r>
-            <a:r>
-              <a:rPr lang="en-US" sz="2400">
-                <a:latin typeface="Courier New" panose="02070309020205020404" pitchFamily="49" charset="0"/>
-                <a:cs typeface="Courier New" panose="02070309020205020404" pitchFamily="49" charset="0"/>
-              </a:rPr>
-              <a:t> + </a:t>
-            </a:r>
-            <a:r>
-              <a:rPr lang="en-US" sz="2400">
-                <a:solidFill>
-                  <a:srgbClr val="0066FF"/>
-                </a:solidFill>
-                <a:latin typeface="Courier New" panose="02070309020205020404" pitchFamily="49" charset="0"/>
-                <a:cs typeface="Courier New" panose="02070309020205020404" pitchFamily="49" charset="0"/>
-              </a:rPr>
-              <a:t>'.sav'</a:t>
-            </a:r>
-          </a:p>
-          <a:p>
-            <a:pPr marL="457200" indent="-457200">
-              <a:buFont typeface="+mj-lt"/>
-              <a:buAutoNum type="arabicPeriod" startAt="22"/>
-            </a:pPr>
-            <a:r>
-              <a:rPr lang="en-US" sz="2400">
-                <a:latin typeface="Courier New" panose="02070309020205020404" pitchFamily="49" charset="0"/>
-                <a:cs typeface="Courier New" panose="02070309020205020404" pitchFamily="49" charset="0"/>
-              </a:rPr>
-              <a:t>    </a:t>
-            </a:r>
-            <a:r>
-              <a:rPr lang="en-US" sz="2400">
-                <a:solidFill>
-                  <a:srgbClr val="FF0000"/>
-                </a:solidFill>
-                <a:latin typeface="Courier New" panose="02070309020205020404" pitchFamily="49" charset="0"/>
-                <a:cs typeface="Courier New" panose="02070309020205020404" pitchFamily="49" charset="0"/>
-              </a:rPr>
-              <a:t>joblib.dump(knn, filename)</a:t>
-            </a:r>
-            <a:endParaRPr lang="en-US" sz="2400">
-              <a:latin typeface="Courier New" panose="02070309020205020404" pitchFamily="49" charset="0"/>
-              <a:cs typeface="Courier New" panose="02070309020205020404" pitchFamily="49" charset="0"/>
-            </a:endParaRPr>
-          </a:p>
-          <a:p>
-            <a:pPr marL="457200" indent="-457200">
-              <a:buFont typeface="+mj-lt"/>
-              <a:buAutoNum type="arabicPeriod" startAt="22"/>
-            </a:pPr>
-            <a:r>
-              <a:rPr lang="en-US" sz="2400">
-                <a:latin typeface="Courier New" panose="02070309020205020404" pitchFamily="49" charset="0"/>
-                <a:cs typeface="Courier New" panose="02070309020205020404" pitchFamily="49" charset="0"/>
-              </a:rPr>
-              <a:t>    print("%s saved\n" %filename)</a:t>
-            </a:r>
-          </a:p>
-          <a:p>
-            <a:pPr marL="457200" indent="-457200">
-              <a:buFont typeface="+mj-lt"/>
-              <a:buAutoNum type="arabicPeriod" startAt="22"/>
-            </a:pPr>
-            <a:r>
-              <a:rPr lang="en-US" sz="2400">
-                <a:latin typeface="Courier New" panose="02070309020205020404" pitchFamily="49" charset="0"/>
-                <a:cs typeface="Courier New" panose="02070309020205020404" pitchFamily="49" charset="0"/>
-              </a:rPr>
-              <a:t>    </a:t>
-            </a:r>
-          </a:p>
-          <a:p>
-            <a:pPr marL="457200" indent="-457200">
-              <a:buFont typeface="+mj-lt"/>
-              <a:buAutoNum type="arabicPeriod" startAt="22"/>
-            </a:pPr>
-            <a:r>
-              <a:rPr lang="en-US" sz="2400">
-                <a:latin typeface="Courier New" panose="02070309020205020404" pitchFamily="49" charset="0"/>
-                <a:cs typeface="Courier New" panose="02070309020205020404" pitchFamily="49" charset="0"/>
-              </a:rPr>
-              <a:t>print('Train complete!')</a:t>
-            </a:r>
-          </a:p>
-        </p:txBody>
-      </p:sp>
-    </p:spTree>
-    <p:extLst>
-      <p:ext uri="{BB962C8B-B14F-4D97-AF65-F5344CB8AC3E}">
-        <p14:creationId xmlns:p14="http://schemas.microsoft.com/office/powerpoint/2010/main" val="3683486346"/>
-      </p:ext>
-    </p:extLst>
-  </p:cSld>
-  <p:clrMapOvr>
-    <a:masterClrMapping/>
-  </p:clrMapOvr>
-  <p:transition/>
-</p:sld>
-</file>
-
-<file path=ppt/slides/slide24.xml><?xml version="1.0" encoding="utf-8"?>
-<p:sld xmlns:a="http://schemas.openxmlformats.org/drawingml/2006/main" xmlns:r="http://schemas.openxmlformats.org/officeDocument/2006/relationships" xmlns:p="http://schemas.openxmlformats.org/presentationml/2006/main">
-  <p:cSld>
-    <p:spTree>
-      <p:nvGrpSpPr>
-        <p:cNvPr id="1" name=""/>
-        <p:cNvGrpSpPr/>
-        <p:nvPr/>
-      </p:nvGrpSpPr>
-      <p:grpSpPr>
-        <a:xfrm>
-          <a:off x="0" y="0"/>
-          <a:ext cx="0" cy="0"/>
-          <a:chOff x="0" y="0"/>
-          <a:chExt cx="0" cy="0"/>
-        </a:xfrm>
-      </p:grpSpPr>
-      <p:sp>
-        <p:nvSpPr>
-          <p:cNvPr id="11" name="Title 10">
-            <a:extLst>
-              <a:ext uri="{FF2B5EF4-FFF2-40B4-BE49-F238E27FC236}">
-                <a16:creationId xmlns:a16="http://schemas.microsoft.com/office/drawing/2014/main" id="{D8942DF0-F883-4BF5-A8B2-AF070C94DDF0}"/>
-              </a:ext>
-            </a:extLst>
-          </p:cNvPr>
-          <p:cNvSpPr>
-            <a:spLocks noGrp="1"/>
-          </p:cNvSpPr>
-          <p:nvPr>
-            <p:ph type="title"/>
-          </p:nvPr>
-        </p:nvSpPr>
-        <p:spPr/>
-        <p:txBody>
-          <a:bodyPr/>
-          <a:lstStyle/>
-          <a:p>
-            <a:r>
-              <a:rPr lang="en-US"/>
-              <a:t>Cosine similarity</a:t>
-            </a:r>
-          </a:p>
-        </p:txBody>
-      </p:sp>
-      <p:pic>
-        <p:nvPicPr>
-          <p:cNvPr id="13" name="Content Placeholder 12">
-            <a:extLst>
-              <a:ext uri="{FF2B5EF4-FFF2-40B4-BE49-F238E27FC236}">
-                <a16:creationId xmlns:a16="http://schemas.microsoft.com/office/drawing/2014/main" id="{A33BB8D9-6D85-4B74-BB47-B0E15F43FCA6}"/>
-              </a:ext>
-            </a:extLst>
-          </p:cNvPr>
-          <p:cNvPicPr>
-            <a:picLocks noGrp="1" noChangeAspect="1"/>
-          </p:cNvPicPr>
-          <p:nvPr>
-            <p:ph idx="1"/>
-          </p:nvPr>
-        </p:nvPicPr>
-        <p:blipFill>
-          <a:blip r:embed="rId2"/>
-          <a:stretch>
-            <a:fillRect/>
-          </a:stretch>
-        </p:blipFill>
-        <p:spPr>
-          <a:xfrm>
-            <a:off x="1219199" y="1862316"/>
-            <a:ext cx="6838907" cy="4081284"/>
-          </a:xfrm>
-          <a:prstGeom prst="rect">
-            <a:avLst/>
-          </a:prstGeom>
-        </p:spPr>
-      </p:pic>
-    </p:spTree>
-    <p:extLst>
-      <p:ext uri="{BB962C8B-B14F-4D97-AF65-F5344CB8AC3E}">
-        <p14:creationId xmlns:p14="http://schemas.microsoft.com/office/powerpoint/2010/main" val="3729976322"/>
-      </p:ext>
-    </p:extLst>
-  </p:cSld>
-  <p:clrMapOvr>
-    <a:masterClrMapping/>
-  </p:clrMapOvr>
-  <p:transition/>
-</p:sld>
-</file>
-
-<file path=ppt/slides/slide25.xml><?xml version="1.0" encoding="utf-8"?>
-<p:sld xmlns:a="http://schemas.openxmlformats.org/drawingml/2006/main" xmlns:r="http://schemas.openxmlformats.org/officeDocument/2006/relationships" xmlns:p="http://schemas.openxmlformats.org/presentationml/2006/main">
-  <p:cSld>
-    <p:spTree>
-      <p:nvGrpSpPr>
-        <p:cNvPr id="1" name=""/>
-        <p:cNvGrpSpPr/>
-        <p:nvPr/>
-      </p:nvGrpSpPr>
-      <p:grpSpPr>
-        <a:xfrm>
-          <a:off x="0" y="0"/>
-          <a:ext cx="0" cy="0"/>
-          <a:chOff x="0" y="0"/>
-          <a:chExt cx="0" cy="0"/>
-        </a:xfrm>
-      </p:grpSpPr>
-      <p:sp>
-        <p:nvSpPr>
-          <p:cNvPr id="2" name="Title 1">
-            <a:extLst>
-              <a:ext uri="{FF2B5EF4-FFF2-40B4-BE49-F238E27FC236}">
-                <a16:creationId xmlns:a16="http://schemas.microsoft.com/office/drawing/2014/main" id="{327EC877-63ED-4D2B-B15C-CCBC0524DB61}"/>
-              </a:ext>
-            </a:extLst>
-          </p:cNvPr>
-          <p:cNvSpPr>
-            <a:spLocks noGrp="1"/>
-          </p:cNvSpPr>
-          <p:nvPr>
-            <p:ph type="title"/>
-          </p:nvPr>
-        </p:nvSpPr>
-        <p:spPr/>
-        <p:txBody>
-          <a:bodyPr/>
-          <a:lstStyle/>
-          <a:p>
-            <a:r>
-              <a:rPr lang="en-US"/>
-              <a:t>Cosine similarity</a:t>
-            </a:r>
-          </a:p>
-        </p:txBody>
-      </p:sp>
-      <p:sp>
-        <p:nvSpPr>
-          <p:cNvPr id="3" name="Content Placeholder 2">
-            <a:extLst>
-              <a:ext uri="{FF2B5EF4-FFF2-40B4-BE49-F238E27FC236}">
-                <a16:creationId xmlns:a16="http://schemas.microsoft.com/office/drawing/2014/main" id="{73F50B36-746D-4DAE-8C98-65C0FE106F41}"/>
-              </a:ext>
-            </a:extLst>
-          </p:cNvPr>
-          <p:cNvSpPr>
-            <a:spLocks noGrp="1"/>
-          </p:cNvSpPr>
-          <p:nvPr>
-            <p:ph idx="1"/>
-          </p:nvPr>
-        </p:nvSpPr>
-        <p:spPr/>
-        <p:txBody>
-          <a:bodyPr/>
-          <a:lstStyle/>
-          <a:p>
-            <a:pPr marL="514350" indent="-514350">
-              <a:buFont typeface="+mj-lt"/>
-              <a:buAutoNum type="arabicPeriod" startAt="29"/>
-            </a:pPr>
-            <a:r>
-              <a:rPr lang="en-US" sz="2400">
-                <a:solidFill>
-                  <a:srgbClr val="008000"/>
-                </a:solidFill>
-                <a:latin typeface="Courier New" panose="02070309020205020404" pitchFamily="49" charset="0"/>
-                <a:cs typeface="Courier New" panose="02070309020205020404" pitchFamily="49" charset="0"/>
-              </a:rPr>
-              <a:t># convert test images (matrixs) to vectors</a:t>
-            </a:r>
-          </a:p>
-          <a:p>
-            <a:pPr marL="514350" indent="-514350">
-              <a:buFont typeface="+mj-lt"/>
-              <a:buAutoNum type="arabicPeriod" startAt="29"/>
-            </a:pPr>
-            <a:r>
-              <a:rPr lang="en-US" sz="2400">
-                <a:latin typeface="Courier New" panose="02070309020205020404" pitchFamily="49" charset="0"/>
-                <a:cs typeface="Courier New" panose="02070309020205020404" pitchFamily="49" charset="0"/>
-              </a:rPr>
-              <a:t>n = len(img_test)</a:t>
-            </a:r>
-          </a:p>
-          <a:p>
-            <a:pPr marL="514350" indent="-514350">
-              <a:buFont typeface="+mj-lt"/>
-              <a:buAutoNum type="arabicPeriod" startAt="29"/>
-            </a:pPr>
-            <a:r>
-              <a:rPr lang="en-US" sz="2400">
-                <a:solidFill>
-                  <a:srgbClr val="0066FF"/>
-                </a:solidFill>
-                <a:latin typeface="Courier New" panose="02070309020205020404" pitchFamily="49" charset="0"/>
-                <a:cs typeface="Courier New" panose="02070309020205020404" pitchFamily="49" charset="0"/>
-              </a:rPr>
-              <a:t>test_data</a:t>
-            </a:r>
-            <a:r>
-              <a:rPr lang="en-US" sz="2400">
-                <a:latin typeface="Courier New" panose="02070309020205020404" pitchFamily="49" charset="0"/>
-                <a:cs typeface="Courier New" panose="02070309020205020404" pitchFamily="49" charset="0"/>
-              </a:rPr>
-              <a:t> = </a:t>
-            </a:r>
-            <a:r>
-              <a:rPr lang="en-US" sz="2400">
-                <a:solidFill>
-                  <a:srgbClr val="FF0000"/>
-                </a:solidFill>
-                <a:latin typeface="Courier New" panose="02070309020205020404" pitchFamily="49" charset="0"/>
-                <a:cs typeface="Courier New" panose="02070309020205020404" pitchFamily="49" charset="0"/>
-              </a:rPr>
-              <a:t>img_test</a:t>
-            </a:r>
-            <a:r>
-              <a:rPr lang="en-US" sz="2400">
-                <a:latin typeface="Courier New" panose="02070309020205020404" pitchFamily="49" charset="0"/>
-                <a:cs typeface="Courier New" panose="02070309020205020404" pitchFamily="49" charset="0"/>
-              </a:rPr>
-              <a:t>.reshape(n, -1)</a:t>
-            </a:r>
-          </a:p>
-        </p:txBody>
-      </p:sp>
-    </p:spTree>
-    <p:extLst>
-      <p:ext uri="{BB962C8B-B14F-4D97-AF65-F5344CB8AC3E}">
-        <p14:creationId xmlns:p14="http://schemas.microsoft.com/office/powerpoint/2010/main" val="3503038793"/>
-      </p:ext>
-    </p:extLst>
-  </p:cSld>
-  <p:clrMapOvr>
-    <a:masterClrMapping/>
-  </p:clrMapOvr>
-  <p:transition/>
-</p:sld>
-</file>
-
-<file path=ppt/slides/slide26.xml><?xml version="1.0" encoding="utf-8"?>
-<p:sld xmlns:a="http://schemas.openxmlformats.org/drawingml/2006/main" xmlns:r="http://schemas.openxmlformats.org/officeDocument/2006/relationships" xmlns:p="http://schemas.openxmlformats.org/presentationml/2006/main">
-  <p:cSld>
-    <p:spTree>
-      <p:nvGrpSpPr>
-        <p:cNvPr id="1" name=""/>
-        <p:cNvGrpSpPr/>
-        <p:nvPr/>
-      </p:nvGrpSpPr>
-      <p:grpSpPr>
-        <a:xfrm>
-          <a:off x="0" y="0"/>
-          <a:ext cx="0" cy="0"/>
-          <a:chOff x="0" y="0"/>
-          <a:chExt cx="0" cy="0"/>
-        </a:xfrm>
-      </p:grpSpPr>
-      <p:sp>
-        <p:nvSpPr>
-          <p:cNvPr id="2" name="Title 1">
-            <a:extLst>
-              <a:ext uri="{FF2B5EF4-FFF2-40B4-BE49-F238E27FC236}">
-                <a16:creationId xmlns:a16="http://schemas.microsoft.com/office/drawing/2014/main" id="{D2CE9864-1091-4093-A782-0F2C2F78A886}"/>
-              </a:ext>
-            </a:extLst>
-          </p:cNvPr>
-          <p:cNvSpPr>
-            <a:spLocks noGrp="1"/>
-          </p:cNvSpPr>
-          <p:nvPr>
-            <p:ph type="title"/>
-          </p:nvPr>
-        </p:nvSpPr>
-        <p:spPr/>
-        <p:txBody>
-          <a:bodyPr/>
-          <a:lstStyle/>
-          <a:p>
-            <a:r>
-              <a:rPr lang="en-US"/>
-              <a:t>Cosine similarity</a:t>
-            </a:r>
-          </a:p>
-        </p:txBody>
-      </p:sp>
-      <p:sp>
-        <p:nvSpPr>
-          <p:cNvPr id="3" name="Content Placeholder 2">
-            <a:extLst>
-              <a:ext uri="{FF2B5EF4-FFF2-40B4-BE49-F238E27FC236}">
-                <a16:creationId xmlns:a16="http://schemas.microsoft.com/office/drawing/2014/main" id="{34E09D1E-D307-4025-8551-78AB02B28B32}"/>
-              </a:ext>
-            </a:extLst>
-          </p:cNvPr>
-          <p:cNvSpPr>
-            <a:spLocks noGrp="1"/>
-          </p:cNvSpPr>
-          <p:nvPr>
-            <p:ph idx="1"/>
-          </p:nvPr>
-        </p:nvSpPr>
-        <p:spPr/>
-        <p:txBody>
-          <a:bodyPr/>
-          <a:lstStyle/>
-          <a:p>
-            <a:pPr marL="457200" indent="-457200">
-              <a:buFont typeface="+mj-lt"/>
-              <a:buAutoNum type="arabicPeriod" startAt="32"/>
-            </a:pPr>
-            <a:r>
-              <a:rPr lang="en-US" sz="2400">
-                <a:solidFill>
-                  <a:srgbClr val="0066FF"/>
-                </a:solidFill>
-                <a:latin typeface="Courier New" panose="02070309020205020404" pitchFamily="49" charset="0"/>
-                <a:cs typeface="Courier New" panose="02070309020205020404" pitchFamily="49" charset="0"/>
-              </a:rPr>
-              <a:t>for</a:t>
-            </a:r>
-            <a:r>
-              <a:rPr lang="en-US" sz="2400">
-                <a:latin typeface="Courier New" panose="02070309020205020404" pitchFamily="49" charset="0"/>
-                <a:cs typeface="Courier New" panose="02070309020205020404" pitchFamily="49" charset="0"/>
-              </a:rPr>
-              <a:t> k in range(1, max_k+1, 2):</a:t>
-            </a:r>
-          </a:p>
-          <a:p>
-            <a:pPr marL="457200" indent="-457200">
-              <a:buFont typeface="+mj-lt"/>
-              <a:buAutoNum type="arabicPeriod" startAt="32"/>
-            </a:pPr>
-            <a:r>
-              <a:rPr lang="en-US" sz="2400">
-                <a:latin typeface="Courier New" panose="02070309020205020404" pitchFamily="49" charset="0"/>
-                <a:cs typeface="Courier New" panose="02070309020205020404" pitchFamily="49" charset="0"/>
-              </a:rPr>
-              <a:t>    </a:t>
-            </a:r>
-            <a:r>
-              <a:rPr lang="en-US" sz="2400">
-                <a:solidFill>
-                  <a:srgbClr val="008000"/>
-                </a:solidFill>
-                <a:latin typeface="Courier New" panose="02070309020205020404" pitchFamily="49" charset="0"/>
-                <a:cs typeface="Courier New" panose="02070309020205020404" pitchFamily="49" charset="0"/>
-              </a:rPr>
-              <a:t># load model</a:t>
-            </a:r>
-          </a:p>
-          <a:p>
-            <a:pPr marL="457200" indent="-457200">
-              <a:buFont typeface="+mj-lt"/>
-              <a:buAutoNum type="arabicPeriod" startAt="32"/>
-            </a:pPr>
-            <a:r>
-              <a:rPr lang="en-US" sz="2400">
-                <a:latin typeface="Courier New" panose="02070309020205020404" pitchFamily="49" charset="0"/>
-                <a:cs typeface="Courier New" panose="02070309020205020404" pitchFamily="49" charset="0"/>
-              </a:rPr>
-              <a:t>    filename = str(k) + '-NN ‘ + 				   dist_algo + '.sav'</a:t>
-            </a:r>
-          </a:p>
-          <a:p>
-            <a:pPr marL="457200" indent="-457200">
-              <a:buFont typeface="+mj-lt"/>
-              <a:buAutoNum type="arabicPeriod" startAt="32"/>
-            </a:pPr>
-            <a:r>
-              <a:rPr lang="en-US" sz="2400">
-                <a:latin typeface="Courier New" panose="02070309020205020404" pitchFamily="49" charset="0"/>
-                <a:cs typeface="Courier New" panose="02070309020205020404" pitchFamily="49" charset="0"/>
-              </a:rPr>
-              <a:t>    </a:t>
-            </a:r>
-            <a:r>
-              <a:rPr lang="en-US" sz="2400">
-                <a:solidFill>
-                  <a:srgbClr val="0066FF"/>
-                </a:solidFill>
-                <a:latin typeface="Courier New" panose="02070309020205020404" pitchFamily="49" charset="0"/>
-                <a:cs typeface="Courier New" panose="02070309020205020404" pitchFamily="49" charset="0"/>
-              </a:rPr>
-              <a:t>loaded_model = joblib.load(filename)</a:t>
-            </a:r>
-          </a:p>
-          <a:p>
-            <a:pPr marL="457200" indent="-457200">
-              <a:buFont typeface="+mj-lt"/>
-              <a:buAutoNum type="arabicPeriod" startAt="32"/>
-            </a:pPr>
-            <a:r>
-              <a:rPr lang="en-US" sz="2400">
-                <a:latin typeface="Courier New" panose="02070309020205020404" pitchFamily="49" charset="0"/>
-                <a:cs typeface="Courier New" panose="02070309020205020404" pitchFamily="49" charset="0"/>
-              </a:rPr>
-              <a:t>    …</a:t>
-            </a:r>
-          </a:p>
-        </p:txBody>
-      </p:sp>
-    </p:spTree>
-    <p:extLst>
-      <p:ext uri="{BB962C8B-B14F-4D97-AF65-F5344CB8AC3E}">
-        <p14:creationId xmlns:p14="http://schemas.microsoft.com/office/powerpoint/2010/main" val="1557926841"/>
-      </p:ext>
-    </p:extLst>
-  </p:cSld>
-  <p:clrMapOvr>
-    <a:masterClrMapping/>
-  </p:clrMapOvr>
-  <p:transition/>
-</p:sld>
-</file>
-
-<file path=ppt/slides/slide27.xml><?xml version="1.0" encoding="utf-8"?>
-<p:sld xmlns:a="http://schemas.openxmlformats.org/drawingml/2006/main" xmlns:r="http://schemas.openxmlformats.org/officeDocument/2006/relationships" xmlns:p="http://schemas.openxmlformats.org/presentationml/2006/main">
-  <p:cSld>
-    <p:spTree>
-      <p:nvGrpSpPr>
-        <p:cNvPr id="1" name=""/>
-        <p:cNvGrpSpPr/>
-        <p:nvPr/>
-      </p:nvGrpSpPr>
-      <p:grpSpPr>
-        <a:xfrm>
-          <a:off x="0" y="0"/>
-          <a:ext cx="0" cy="0"/>
-          <a:chOff x="0" y="0"/>
-          <a:chExt cx="0" cy="0"/>
-        </a:xfrm>
-      </p:grpSpPr>
-      <p:sp>
-        <p:nvSpPr>
-          <p:cNvPr id="2" name="Title 1">
-            <a:extLst>
-              <a:ext uri="{FF2B5EF4-FFF2-40B4-BE49-F238E27FC236}">
-                <a16:creationId xmlns:a16="http://schemas.microsoft.com/office/drawing/2014/main" id="{142EC681-A3F5-4290-B26A-76F7FD599D0E}"/>
-              </a:ext>
-            </a:extLst>
-          </p:cNvPr>
-          <p:cNvSpPr>
-            <a:spLocks noGrp="1"/>
-          </p:cNvSpPr>
-          <p:nvPr>
-            <p:ph type="title"/>
-          </p:nvPr>
-        </p:nvSpPr>
-        <p:spPr/>
-        <p:txBody>
-          <a:bodyPr/>
-          <a:lstStyle/>
-          <a:p>
-            <a:r>
-              <a:rPr lang="en-US"/>
-              <a:t>Cosine similarity</a:t>
-            </a:r>
-          </a:p>
-        </p:txBody>
-      </p:sp>
-      <p:sp>
-        <p:nvSpPr>
-          <p:cNvPr id="3" name="Content Placeholder 2">
-            <a:extLst>
-              <a:ext uri="{FF2B5EF4-FFF2-40B4-BE49-F238E27FC236}">
-                <a16:creationId xmlns:a16="http://schemas.microsoft.com/office/drawing/2014/main" id="{476842C8-180F-47BC-9C6D-56508B8121CE}"/>
-              </a:ext>
-            </a:extLst>
-          </p:cNvPr>
-          <p:cNvSpPr>
-            <a:spLocks noGrp="1"/>
-          </p:cNvSpPr>
-          <p:nvPr>
-            <p:ph idx="1"/>
-          </p:nvPr>
-        </p:nvSpPr>
-        <p:spPr/>
-        <p:txBody>
-          <a:bodyPr/>
-          <a:lstStyle/>
-          <a:p>
-            <a:pPr marL="457200" indent="-457200">
-              <a:buFont typeface="+mj-lt"/>
-              <a:buAutoNum type="arabicPeriod"/>
-            </a:pPr>
-            <a:r>
-              <a:rPr lang="en-US" sz="2400">
-                <a:latin typeface="Courier New" panose="02070309020205020404" pitchFamily="49" charset="0"/>
-                <a:cs typeface="Courier New" panose="02070309020205020404" pitchFamily="49" charset="0"/>
-              </a:rPr>
-              <a:t>    …  </a:t>
-            </a:r>
-          </a:p>
-          <a:p>
-            <a:pPr marL="457200" indent="-457200">
-              <a:buFont typeface="+mj-lt"/>
-              <a:buAutoNum type="arabicPeriod"/>
-            </a:pPr>
-            <a:r>
-              <a:rPr lang="en-US" sz="2400">
-                <a:solidFill>
-                  <a:srgbClr val="008000"/>
-                </a:solidFill>
-                <a:latin typeface="Courier New" panose="02070309020205020404" pitchFamily="49" charset="0"/>
-                <a:cs typeface="Courier New" panose="02070309020205020404" pitchFamily="49" charset="0"/>
-              </a:rPr>
-              <a:t>    # predict data</a:t>
-            </a:r>
-          </a:p>
-          <a:p>
-            <a:pPr marL="457200" indent="-457200">
-              <a:buFont typeface="+mj-lt"/>
-              <a:buAutoNum type="arabicPeriod"/>
-            </a:pPr>
-            <a:r>
-              <a:rPr lang="en-US" sz="2400">
-                <a:latin typeface="Courier New" panose="02070309020205020404" pitchFamily="49" charset="0"/>
-                <a:cs typeface="Courier New" panose="02070309020205020404" pitchFamily="49" charset="0"/>
-              </a:rPr>
-              <a:t>    start = time.time()</a:t>
-            </a:r>
-          </a:p>
-          <a:p>
-            <a:pPr marL="457200" indent="-457200">
-              <a:buFont typeface="+mj-lt"/>
-              <a:buAutoNum type="arabicPeriod"/>
-            </a:pPr>
-            <a:r>
-              <a:rPr lang="en-US" sz="2400">
-                <a:latin typeface="Courier New" panose="02070309020205020404" pitchFamily="49" charset="0"/>
-                <a:cs typeface="Courier New" panose="02070309020205020404" pitchFamily="49" charset="0"/>
-              </a:rPr>
-              <a:t>    predicted = </a:t>
-            </a:r>
-            <a:r>
-              <a:rPr lang="en-US" sz="2000">
-                <a:solidFill>
-                  <a:srgbClr val="FF0000"/>
-                </a:solidFill>
-                <a:latin typeface="Courier New" panose="02070309020205020404" pitchFamily="49" charset="0"/>
-                <a:cs typeface="Courier New" panose="02070309020205020404" pitchFamily="49" charset="0"/>
-              </a:rPr>
-              <a:t>loaded_model.predict</a:t>
-            </a:r>
-            <a:r>
-              <a:rPr lang="en-US" sz="2400">
-                <a:solidFill>
-                  <a:srgbClr val="FF0000"/>
-                </a:solidFill>
-                <a:latin typeface="Courier New" panose="02070309020205020404" pitchFamily="49" charset="0"/>
-                <a:cs typeface="Courier New" panose="02070309020205020404" pitchFamily="49" charset="0"/>
-              </a:rPr>
-              <a:t>(</a:t>
-            </a:r>
-            <a:r>
-              <a:rPr lang="en-US" sz="1800">
-                <a:solidFill>
-                  <a:srgbClr val="FF0000"/>
-                </a:solidFill>
-                <a:latin typeface="Courier New" panose="02070309020205020404" pitchFamily="49" charset="0"/>
-                <a:cs typeface="Courier New" panose="02070309020205020404" pitchFamily="49" charset="0"/>
-              </a:rPr>
-              <a:t>test_data</a:t>
-            </a:r>
-            <a:r>
-              <a:rPr lang="en-US" sz="2400">
-                <a:solidFill>
-                  <a:srgbClr val="FF0000"/>
-                </a:solidFill>
-                <a:latin typeface="Courier New" panose="02070309020205020404" pitchFamily="49" charset="0"/>
-                <a:cs typeface="Courier New" panose="02070309020205020404" pitchFamily="49" charset="0"/>
-              </a:rPr>
-              <a:t>)</a:t>
-            </a:r>
-          </a:p>
-          <a:p>
-            <a:pPr marL="457200" indent="-457200">
-              <a:buFont typeface="+mj-lt"/>
-              <a:buAutoNum type="arabicPeriod"/>
-            </a:pPr>
-            <a:r>
-              <a:rPr lang="en-US" sz="2400">
-                <a:latin typeface="Courier New" panose="02070309020205020404" pitchFamily="49" charset="0"/>
-                <a:cs typeface="Courier New" panose="02070309020205020404" pitchFamily="49" charset="0"/>
-              </a:rPr>
-              <a:t>    end = time.time()</a:t>
-            </a:r>
-          </a:p>
-          <a:p>
-            <a:pPr marL="457200" indent="-457200">
-              <a:buFont typeface="+mj-lt"/>
-              <a:buAutoNum type="arabicPeriod"/>
-            </a:pPr>
-            <a:r>
-              <a:rPr lang="en-US" sz="2400">
-                <a:latin typeface="Courier New" panose="02070309020205020404" pitchFamily="49" charset="0"/>
-                <a:cs typeface="Courier New" panose="02070309020205020404" pitchFamily="49" charset="0"/>
-              </a:rPr>
-              <a:t>    print('Predicting ' + str(k) + '-NN')</a:t>
-            </a:r>
-          </a:p>
-          <a:p>
-            <a:pPr marL="457200" indent="-457200">
-              <a:buFont typeface="+mj-lt"/>
-              <a:buAutoNum type="arabicPeriod"/>
-            </a:pPr>
-            <a:r>
-              <a:rPr lang="en-US" sz="2400">
-                <a:latin typeface="Courier New" panose="02070309020205020404" pitchFamily="49" charset="0"/>
-                <a:cs typeface="Courier New" panose="02070309020205020404" pitchFamily="49" charset="0"/>
-              </a:rPr>
-              <a:t>    print(len(predicted))</a:t>
-            </a:r>
-          </a:p>
-          <a:p>
-            <a:pPr marL="457200" indent="-457200">
-              <a:buFont typeface="+mj-lt"/>
-              <a:buAutoNum type="arabicPeriod"/>
-            </a:pPr>
-            <a:r>
-              <a:rPr lang="en-US" sz="2400">
-                <a:latin typeface="Courier New" panose="02070309020205020404" pitchFamily="49" charset="0"/>
-                <a:cs typeface="Courier New" panose="02070309020205020404" pitchFamily="49" charset="0"/>
-              </a:rPr>
-              <a:t>    print("Predict time: %s seconds" % 					</a:t>
-            </a:r>
-            <a:r>
-              <a:rPr lang="en-US" sz="2400">
-                <a:solidFill>
-                  <a:srgbClr val="0066FF"/>
-                </a:solidFill>
-                <a:latin typeface="Courier New" panose="02070309020205020404" pitchFamily="49" charset="0"/>
-                <a:cs typeface="Courier New" panose="02070309020205020404" pitchFamily="49" charset="0"/>
-              </a:rPr>
-              <a:t>str(end - start)</a:t>
-            </a:r>
-            <a:r>
-              <a:rPr lang="en-US" sz="2400">
-                <a:latin typeface="Courier New" panose="02070309020205020404" pitchFamily="49" charset="0"/>
-                <a:cs typeface="Courier New" panose="02070309020205020404" pitchFamily="49" charset="0"/>
-              </a:rPr>
-              <a:t>)</a:t>
-            </a:r>
-          </a:p>
-          <a:p>
-            <a:pPr marL="457200" indent="-457200">
-              <a:buFont typeface="+mj-lt"/>
-              <a:buAutoNum type="arabicPeriod"/>
-            </a:pPr>
-            <a:r>
-              <a:rPr lang="en-US" sz="2400">
-                <a:latin typeface="Courier New" panose="02070309020205020404" pitchFamily="49" charset="0"/>
-                <a:cs typeface="Courier New" panose="02070309020205020404" pitchFamily="49" charset="0"/>
-              </a:rPr>
-              <a:t>    </a:t>
-            </a:r>
-            <a:r>
-              <a:rPr lang="en-US" sz="2400">
-                <a:solidFill>
-                  <a:srgbClr val="0066FF"/>
-                </a:solidFill>
-                <a:latin typeface="Courier New" panose="02070309020205020404" pitchFamily="49" charset="0"/>
-                <a:cs typeface="Courier New" panose="02070309020205020404" pitchFamily="49" charset="0"/>
-              </a:rPr>
-              <a:t>predict_time.append(</a:t>
-            </a:r>
-            <a:r>
-              <a:rPr lang="en-US" sz="2000">
-                <a:solidFill>
-                  <a:srgbClr val="0066FF"/>
-                </a:solidFill>
-                <a:latin typeface="Courier New" panose="02070309020205020404" pitchFamily="49" charset="0"/>
-                <a:cs typeface="Courier New" panose="02070309020205020404" pitchFamily="49" charset="0"/>
-              </a:rPr>
-              <a:t>round(end-start,2)</a:t>
-            </a:r>
-            <a:r>
-              <a:rPr lang="en-US" sz="2400">
-                <a:latin typeface="Courier New" panose="02070309020205020404" pitchFamily="49" charset="0"/>
-                <a:cs typeface="Courier New" panose="02070309020205020404" pitchFamily="49" charset="0"/>
-              </a:rPr>
-              <a:t>)</a:t>
-            </a:r>
-          </a:p>
-        </p:txBody>
-      </p:sp>
-    </p:spTree>
-    <p:extLst>
-      <p:ext uri="{BB962C8B-B14F-4D97-AF65-F5344CB8AC3E}">
-        <p14:creationId xmlns:p14="http://schemas.microsoft.com/office/powerpoint/2010/main" val="849786722"/>
-      </p:ext>
-    </p:extLst>
-  </p:cSld>
-  <p:clrMapOvr>
-    <a:masterClrMapping/>
-  </p:clrMapOvr>
-  <p:transition/>
-</p:sld>
-</file>
-
-<file path=ppt/slides/slide28.xml><?xml version="1.0" encoding="utf-8"?>
-<p:sld xmlns:a="http://schemas.openxmlformats.org/drawingml/2006/main" xmlns:r="http://schemas.openxmlformats.org/officeDocument/2006/relationships" xmlns:p="http://schemas.openxmlformats.org/presentationml/2006/main">
-  <p:cSld>
-    <p:spTree>
-      <p:nvGrpSpPr>
-        <p:cNvPr id="1" name=""/>
-        <p:cNvGrpSpPr/>
-        <p:nvPr/>
-      </p:nvGrpSpPr>
-      <p:grpSpPr>
-        <a:xfrm>
-          <a:off x="0" y="0"/>
-          <a:ext cx="0" cy="0"/>
-          <a:chOff x="0" y="0"/>
-          <a:chExt cx="0" cy="0"/>
-        </a:xfrm>
-      </p:grpSpPr>
-      <p:sp>
-        <p:nvSpPr>
-          <p:cNvPr id="2" name="Title 1">
-            <a:extLst>
-              <a:ext uri="{FF2B5EF4-FFF2-40B4-BE49-F238E27FC236}">
-                <a16:creationId xmlns:a16="http://schemas.microsoft.com/office/drawing/2014/main" id="{E9ACD9C5-2BF6-4E13-9636-330A53770A81}"/>
-              </a:ext>
-            </a:extLst>
-          </p:cNvPr>
-          <p:cNvSpPr>
-            <a:spLocks noGrp="1"/>
-          </p:cNvSpPr>
-          <p:nvPr>
-            <p:ph type="title"/>
-          </p:nvPr>
-        </p:nvSpPr>
-        <p:spPr/>
-        <p:txBody>
-          <a:bodyPr/>
-          <a:lstStyle/>
-          <a:p>
-            <a:r>
-              <a:rPr lang="en-US"/>
-              <a:t>Cosine similarity</a:t>
-            </a:r>
-          </a:p>
-        </p:txBody>
-      </p:sp>
-      <p:sp>
-        <p:nvSpPr>
-          <p:cNvPr id="3" name="Content Placeholder 2">
-            <a:extLst>
-              <a:ext uri="{FF2B5EF4-FFF2-40B4-BE49-F238E27FC236}">
-                <a16:creationId xmlns:a16="http://schemas.microsoft.com/office/drawing/2014/main" id="{F786A4F1-FD7C-46C6-993E-BB0FF8646B86}"/>
-              </a:ext>
-            </a:extLst>
-          </p:cNvPr>
-          <p:cNvSpPr>
-            <a:spLocks noGrp="1"/>
-          </p:cNvSpPr>
-          <p:nvPr>
-            <p:ph idx="1"/>
-          </p:nvPr>
-        </p:nvSpPr>
-        <p:spPr/>
-        <p:txBody>
-          <a:bodyPr/>
-          <a:lstStyle/>
-          <a:p>
-            <a:pPr marL="457200" indent="-457200">
-              <a:buFont typeface="+mj-lt"/>
-              <a:buAutoNum type="arabicPeriod" startAt="10"/>
-            </a:pPr>
-            <a:r>
-              <a:rPr lang="en-US" sz="2400">
-                <a:latin typeface="Courier New" panose="02070309020205020404" pitchFamily="49" charset="0"/>
-                <a:cs typeface="Courier New" panose="02070309020205020404" pitchFamily="49" charset="0"/>
-              </a:rPr>
-              <a:t>    </a:t>
-            </a:r>
-            <a:r>
-              <a:rPr lang="en-US" sz="2400">
-                <a:solidFill>
-                  <a:srgbClr val="008000"/>
-                </a:solidFill>
-                <a:latin typeface="Courier New" panose="02070309020205020404" pitchFamily="49" charset="0"/>
-                <a:cs typeface="Courier New" panose="02070309020205020404" pitchFamily="49" charset="0"/>
-              </a:rPr>
-              <a:t># calculate accuracy average</a:t>
-            </a:r>
-          </a:p>
-          <a:p>
-            <a:pPr marL="457200" indent="-457200">
-              <a:buFont typeface="+mj-lt"/>
-              <a:buAutoNum type="arabicPeriod" startAt="10"/>
-            </a:pPr>
-            <a:r>
-              <a:rPr lang="en-US" sz="2400">
-                <a:latin typeface="Courier New" panose="02070309020205020404" pitchFamily="49" charset="0"/>
-                <a:cs typeface="Courier New" panose="02070309020205020404" pitchFamily="49" charset="0"/>
-              </a:rPr>
-              <a:t>    num_correct=0</a:t>
-            </a:r>
-          </a:p>
-          <a:p>
-            <a:pPr marL="457200" indent="-457200">
-              <a:buFont typeface="+mj-lt"/>
-              <a:buAutoNum type="arabicPeriod" startAt="10"/>
-            </a:pPr>
-            <a:r>
-              <a:rPr lang="en-US" sz="2400">
-                <a:latin typeface="Courier New" panose="02070309020205020404" pitchFamily="49" charset="0"/>
-                <a:cs typeface="Courier New" panose="02070309020205020404" pitchFamily="49" charset="0"/>
-              </a:rPr>
-              <a:t>    for i in range(0,len(</a:t>
-            </a:r>
-            <a:r>
-              <a:rPr lang="en-US" sz="2400">
-                <a:solidFill>
-                  <a:srgbClr val="0066FF"/>
-                </a:solidFill>
-                <a:latin typeface="Courier New" panose="02070309020205020404" pitchFamily="49" charset="0"/>
-                <a:cs typeface="Courier New" panose="02070309020205020404" pitchFamily="49" charset="0"/>
-              </a:rPr>
-              <a:t>val_test</a:t>
-            </a:r>
-            <a:r>
-              <a:rPr lang="en-US" sz="2400">
-                <a:latin typeface="Courier New" panose="02070309020205020404" pitchFamily="49" charset="0"/>
-                <a:cs typeface="Courier New" panose="02070309020205020404" pitchFamily="49" charset="0"/>
-              </a:rPr>
-              <a:t>)):</a:t>
-            </a:r>
-          </a:p>
-          <a:p>
-            <a:pPr marL="457200" indent="-457200">
-              <a:buFont typeface="+mj-lt"/>
-              <a:buAutoNum type="arabicPeriod" startAt="10"/>
-            </a:pPr>
-            <a:r>
-              <a:rPr lang="en-US" sz="2400">
-                <a:latin typeface="Courier New" panose="02070309020205020404" pitchFamily="49" charset="0"/>
-                <a:cs typeface="Courier New" panose="02070309020205020404" pitchFamily="49" charset="0"/>
-              </a:rPr>
-              <a:t>        if val_test[i] == predicted[i]:</a:t>
-            </a:r>
-          </a:p>
-          <a:p>
-            <a:pPr marL="457200" indent="-457200">
-              <a:buFont typeface="+mj-lt"/>
-              <a:buAutoNum type="arabicPeriod" startAt="10"/>
-            </a:pPr>
-            <a:r>
-              <a:rPr lang="en-US" sz="2400">
-                <a:latin typeface="Courier New" panose="02070309020205020404" pitchFamily="49" charset="0"/>
-                <a:cs typeface="Courier New" panose="02070309020205020404" pitchFamily="49" charset="0"/>
-              </a:rPr>
-              <a:t>            num_correct +=1        </a:t>
-            </a:r>
-          </a:p>
-          <a:p>
-            <a:pPr marL="457200" indent="-457200">
-              <a:buFont typeface="+mj-lt"/>
-              <a:buAutoNum type="arabicPeriod" startAt="10"/>
-            </a:pPr>
-            <a:r>
-              <a:rPr lang="en-US" sz="2400">
-                <a:latin typeface="Courier New" panose="02070309020205020404" pitchFamily="49" charset="0"/>
-                <a:cs typeface="Courier New" panose="02070309020205020404" pitchFamily="49" charset="0"/>
-              </a:rPr>
-              <a:t>    </a:t>
-            </a:r>
-            <a:r>
-              <a:rPr lang="en-US" sz="2000">
-                <a:latin typeface="Courier New" panose="02070309020205020404" pitchFamily="49" charset="0"/>
-                <a:cs typeface="Courier New" panose="02070309020205020404" pitchFamily="49" charset="0"/>
-              </a:rPr>
-              <a:t>print("Accuracy:\n%s"%str(</a:t>
-            </a:r>
-            <a:r>
-              <a:rPr lang="en-US" sz="2000">
-                <a:solidFill>
-                  <a:srgbClr val="FF0000"/>
-                </a:solidFill>
-                <a:latin typeface="Courier New" panose="02070309020205020404" pitchFamily="49" charset="0"/>
-                <a:cs typeface="Courier New" panose="02070309020205020404" pitchFamily="49" charset="0"/>
-              </a:rPr>
-              <a:t>float(num_correct/ 				float(len(val_test))))</a:t>
-            </a:r>
-            <a:r>
-              <a:rPr lang="en-US" sz="2000">
-                <a:latin typeface="Courier New" panose="02070309020205020404" pitchFamily="49" charset="0"/>
-                <a:cs typeface="Courier New" panose="02070309020205020404" pitchFamily="49" charset="0"/>
-              </a:rPr>
-              <a:t>)</a:t>
-            </a:r>
-          </a:p>
-          <a:p>
-            <a:pPr marL="457200" indent="-457200">
-              <a:buFont typeface="+mj-lt"/>
-              <a:buAutoNum type="arabicPeriod" startAt="10"/>
-            </a:pPr>
-            <a:r>
-              <a:rPr lang="en-US" sz="2400">
-                <a:latin typeface="Courier New" panose="02070309020205020404" pitchFamily="49" charset="0"/>
-                <a:cs typeface="Courier New" panose="02070309020205020404" pitchFamily="49" charset="0"/>
-              </a:rPr>
-              <a:t>    </a:t>
-            </a:r>
-            <a:r>
-              <a:rPr lang="en-US" sz="2000">
-                <a:solidFill>
-                  <a:srgbClr val="0066FF"/>
-                </a:solidFill>
-                <a:latin typeface="Courier New" panose="02070309020205020404" pitchFamily="49" charset="0"/>
-                <a:cs typeface="Courier New" panose="02070309020205020404" pitchFamily="49" charset="0"/>
-              </a:rPr>
-              <a:t>accuracy.append(float(num_correct/ 			            float(len(val_test))))</a:t>
-            </a:r>
-            <a:r>
-              <a:rPr lang="en-US" sz="2000">
-                <a:latin typeface="Courier New" panose="02070309020205020404" pitchFamily="49" charset="0"/>
-                <a:cs typeface="Courier New" panose="02070309020205020404" pitchFamily="49" charset="0"/>
-              </a:rPr>
-              <a:t>  </a:t>
-            </a:r>
-          </a:p>
-          <a:p>
-            <a:pPr marL="457200" indent="-457200">
-              <a:buFont typeface="+mj-lt"/>
-              <a:buAutoNum type="arabicPeriod" startAt="10"/>
-            </a:pPr>
-            <a:r>
-              <a:rPr lang="en-US" sz="2400">
-                <a:latin typeface="Courier New" panose="02070309020205020404" pitchFamily="49" charset="0"/>
-                <a:cs typeface="Courier New" panose="02070309020205020404" pitchFamily="49" charset="0"/>
-              </a:rPr>
-              <a:t>print('Predict complete')</a:t>
-            </a:r>
-          </a:p>
-        </p:txBody>
-      </p:sp>
-    </p:spTree>
-    <p:extLst>
-      <p:ext uri="{BB962C8B-B14F-4D97-AF65-F5344CB8AC3E}">
-        <p14:creationId xmlns:p14="http://schemas.microsoft.com/office/powerpoint/2010/main" val="3218230712"/>
-      </p:ext>
-    </p:extLst>
-  </p:cSld>
-  <p:clrMapOvr>
-    <a:masterClrMapping/>
-  </p:clrMapOvr>
-  <p:transition/>
-</p:sld>
-</file>
-
-<file path=ppt/slides/slide29.xml><?xml version="1.0" encoding="utf-8"?>
-<p:sld xmlns:a="http://schemas.openxmlformats.org/drawingml/2006/main" xmlns:r="http://schemas.openxmlformats.org/officeDocument/2006/relationships" xmlns:p="http://schemas.openxmlformats.org/presentationml/2006/main">
-  <p:cSld>
-    <p:spTree>
-      <p:nvGrpSpPr>
-        <p:cNvPr id="1" name=""/>
-        <p:cNvGrpSpPr/>
-        <p:nvPr/>
-      </p:nvGrpSpPr>
-      <p:grpSpPr>
-        <a:xfrm>
-          <a:off x="0" y="0"/>
-          <a:ext cx="0" cy="0"/>
-          <a:chOff x="0" y="0"/>
-          <a:chExt cx="0" cy="0"/>
-        </a:xfrm>
-      </p:grpSpPr>
-      <p:sp>
-        <p:nvSpPr>
-          <p:cNvPr id="11" name="Title 10">
-            <a:extLst>
-              <a:ext uri="{FF2B5EF4-FFF2-40B4-BE49-F238E27FC236}">
-                <a16:creationId xmlns:a16="http://schemas.microsoft.com/office/drawing/2014/main" id="{D807E3C6-1F3E-4CE6-B258-0FA3A04A16BC}"/>
-              </a:ext>
-            </a:extLst>
-          </p:cNvPr>
-          <p:cNvSpPr>
-            <a:spLocks noGrp="1"/>
-          </p:cNvSpPr>
-          <p:nvPr>
-            <p:ph type="title"/>
-          </p:nvPr>
-        </p:nvSpPr>
-        <p:spPr/>
-        <p:txBody>
-          <a:bodyPr/>
-          <a:lstStyle/>
-          <a:p>
-            <a:r>
-              <a:rPr lang="en-US"/>
-              <a:t>Cosine similarity</a:t>
-            </a:r>
-          </a:p>
-        </p:txBody>
-      </p:sp>
-      <p:pic>
-        <p:nvPicPr>
-          <p:cNvPr id="13" name="Content Placeholder 12">
-            <a:extLst>
-              <a:ext uri="{FF2B5EF4-FFF2-40B4-BE49-F238E27FC236}">
-                <a16:creationId xmlns:a16="http://schemas.microsoft.com/office/drawing/2014/main" id="{A44901F8-CF0D-4330-B9E3-38B01BEF6DC1}"/>
-              </a:ext>
-            </a:extLst>
-          </p:cNvPr>
-          <p:cNvPicPr>
-            <a:picLocks noGrp="1" noChangeAspect="1"/>
-          </p:cNvPicPr>
-          <p:nvPr>
-            <p:ph idx="1"/>
-          </p:nvPr>
-        </p:nvPicPr>
-        <p:blipFill>
-          <a:blip r:embed="rId2"/>
-          <a:stretch>
-            <a:fillRect/>
-          </a:stretch>
-        </p:blipFill>
-        <p:spPr>
-          <a:xfrm>
-            <a:off x="990600" y="1905000"/>
-            <a:ext cx="5730950" cy="3733800"/>
-          </a:xfrm>
-          <a:prstGeom prst="rect">
-            <a:avLst/>
-          </a:prstGeom>
-        </p:spPr>
-      </p:pic>
-    </p:spTree>
-    <p:extLst>
-      <p:ext uri="{BB962C8B-B14F-4D97-AF65-F5344CB8AC3E}">
-        <p14:creationId xmlns:p14="http://schemas.microsoft.com/office/powerpoint/2010/main" val="1026686864"/>
       </p:ext>
     </p:extLst>
   </p:cSld>
@@ -8635,361 +5196,6 @@
     <p:extLst>
       <p:ext uri="{BB962C8B-B14F-4D97-AF65-F5344CB8AC3E}">
         <p14:creationId xmlns:p14="http://schemas.microsoft.com/office/powerpoint/2010/main" val="3030039170"/>
-      </p:ext>
-    </p:extLst>
-  </p:cSld>
-  <p:clrMapOvr>
-    <a:masterClrMapping/>
-  </p:clrMapOvr>
-  <p:transition/>
-</p:sld>
-</file>
-
-<file path=ppt/slides/slide30.xml><?xml version="1.0" encoding="utf-8"?>
-<p:sld xmlns:a="http://schemas.openxmlformats.org/drawingml/2006/main" xmlns:r="http://schemas.openxmlformats.org/officeDocument/2006/relationships" xmlns:p="http://schemas.openxmlformats.org/presentationml/2006/main">
-  <p:cSld>
-    <p:spTree>
-      <p:nvGrpSpPr>
-        <p:cNvPr id="1" name=""/>
-        <p:cNvGrpSpPr/>
-        <p:nvPr/>
-      </p:nvGrpSpPr>
-      <p:grpSpPr>
-        <a:xfrm>
-          <a:off x="0" y="0"/>
-          <a:ext cx="0" cy="0"/>
-          <a:chOff x="0" y="0"/>
-          <a:chExt cx="0" cy="0"/>
-        </a:xfrm>
-      </p:grpSpPr>
-      <p:sp>
-        <p:nvSpPr>
-          <p:cNvPr id="2" name="Title 1">
-            <a:extLst>
-              <a:ext uri="{FF2B5EF4-FFF2-40B4-BE49-F238E27FC236}">
-                <a16:creationId xmlns:a16="http://schemas.microsoft.com/office/drawing/2014/main" id="{9CD8B287-B7BC-4D72-9338-77D9CF1C0282}"/>
-              </a:ext>
-            </a:extLst>
-          </p:cNvPr>
-          <p:cNvSpPr>
-            <a:spLocks noGrp="1"/>
-          </p:cNvSpPr>
-          <p:nvPr>
-            <p:ph type="title"/>
-          </p:nvPr>
-        </p:nvSpPr>
-        <p:spPr/>
-        <p:txBody>
-          <a:bodyPr/>
-          <a:lstStyle/>
-          <a:p>
-            <a:r>
-              <a:rPr lang="en-US"/>
-              <a:t>Cosine similarity</a:t>
-            </a:r>
-          </a:p>
-        </p:txBody>
-      </p:sp>
-      <p:sp>
-        <p:nvSpPr>
-          <p:cNvPr id="3" name="Content Placeholder 2">
-            <a:extLst>
-              <a:ext uri="{FF2B5EF4-FFF2-40B4-BE49-F238E27FC236}">
-                <a16:creationId xmlns:a16="http://schemas.microsoft.com/office/drawing/2014/main" id="{DDF7457C-2FD9-4D0E-9951-AB7918DFE35C}"/>
-              </a:ext>
-            </a:extLst>
-          </p:cNvPr>
-          <p:cNvSpPr>
-            <a:spLocks noGrp="1"/>
-          </p:cNvSpPr>
-          <p:nvPr>
-            <p:ph idx="1"/>
-          </p:nvPr>
-        </p:nvSpPr>
-        <p:spPr/>
-        <p:txBody>
-          <a:bodyPr/>
-          <a:lstStyle/>
-          <a:p>
-            <a:pPr marL="457200" indent="-457200">
-              <a:buFont typeface="+mj-lt"/>
-              <a:buAutoNum type="arabicPeriod" startAt="18"/>
-            </a:pPr>
-            <a:r>
-              <a:rPr lang="en-US" sz="2400">
-                <a:solidFill>
-                  <a:srgbClr val="008000"/>
-                </a:solidFill>
-                <a:latin typeface="Courier New" panose="02070309020205020404" pitchFamily="49" charset="0"/>
-                <a:cs typeface="Courier New" panose="02070309020205020404" pitchFamily="49" charset="0"/>
-              </a:rPr>
-              <a:t># save result</a:t>
-            </a:r>
-          </a:p>
-          <a:p>
-            <a:pPr marL="457200" indent="-457200">
-              <a:buFont typeface="+mj-lt"/>
-              <a:buAutoNum type="arabicPeriod" startAt="18"/>
-            </a:pPr>
-            <a:r>
-              <a:rPr lang="en-US" sz="2400">
-                <a:solidFill>
-                  <a:srgbClr val="FF0000"/>
-                </a:solidFill>
-                <a:latin typeface="Courier New" panose="02070309020205020404" pitchFamily="49" charset="0"/>
-                <a:cs typeface="Courier New" panose="02070309020205020404" pitchFamily="49" charset="0"/>
-              </a:rPr>
-              <a:t>list_of_result </a:t>
-            </a:r>
-            <a:r>
-              <a:rPr lang="en-US" sz="2400">
-                <a:latin typeface="Courier New" panose="02070309020205020404" pitchFamily="49" charset="0"/>
-                <a:cs typeface="Courier New" panose="02070309020205020404" pitchFamily="49" charset="0"/>
-              </a:rPr>
-              <a:t>= list(</a:t>
-            </a:r>
-            <a:r>
-              <a:rPr lang="en-US" sz="2400">
-                <a:solidFill>
-                  <a:srgbClr val="FF0000"/>
-                </a:solidFill>
-                <a:latin typeface="Courier New" panose="02070309020205020404" pitchFamily="49" charset="0"/>
-                <a:cs typeface="Courier New" panose="02070309020205020404" pitchFamily="49" charset="0"/>
-              </a:rPr>
-              <a:t>zip</a:t>
-            </a:r>
-            <a:r>
-              <a:rPr lang="en-US" sz="2400">
-                <a:latin typeface="Courier New" panose="02070309020205020404" pitchFamily="49" charset="0"/>
-                <a:cs typeface="Courier New" panose="02070309020205020404" pitchFamily="49" charset="0"/>
-              </a:rPr>
-              <a:t>(</a:t>
-            </a:r>
-            <a:r>
-              <a:rPr lang="en-US" sz="2400">
-                <a:solidFill>
-                  <a:srgbClr val="0066FF"/>
-                </a:solidFill>
-                <a:latin typeface="Courier New" panose="02070309020205020404" pitchFamily="49" charset="0"/>
-                <a:cs typeface="Courier New" panose="02070309020205020404" pitchFamily="49" charset="0"/>
-              </a:rPr>
-              <a:t>train_time</a:t>
-            </a:r>
-            <a:r>
-              <a:rPr lang="en-US" sz="2400">
-                <a:latin typeface="Courier New" panose="02070309020205020404" pitchFamily="49" charset="0"/>
-                <a:cs typeface="Courier New" panose="02070309020205020404" pitchFamily="49" charset="0"/>
-              </a:rPr>
-              <a:t>, 			     </a:t>
-            </a:r>
-            <a:r>
-              <a:rPr lang="en-US" sz="2400">
-                <a:solidFill>
-                  <a:srgbClr val="0066FF"/>
-                </a:solidFill>
-                <a:latin typeface="Courier New" panose="02070309020205020404" pitchFamily="49" charset="0"/>
-                <a:cs typeface="Courier New" panose="02070309020205020404" pitchFamily="49" charset="0"/>
-              </a:rPr>
-              <a:t>predict_time</a:t>
-            </a:r>
-            <a:r>
-              <a:rPr lang="en-US" sz="2400">
-                <a:latin typeface="Courier New" panose="02070309020205020404" pitchFamily="49" charset="0"/>
-                <a:cs typeface="Courier New" panose="02070309020205020404" pitchFamily="49" charset="0"/>
-              </a:rPr>
-              <a:t>, </a:t>
-            </a:r>
-            <a:r>
-              <a:rPr lang="en-US" sz="2400">
-                <a:solidFill>
-                  <a:srgbClr val="0066FF"/>
-                </a:solidFill>
-                <a:latin typeface="Courier New" panose="02070309020205020404" pitchFamily="49" charset="0"/>
-                <a:cs typeface="Courier New" panose="02070309020205020404" pitchFamily="49" charset="0"/>
-              </a:rPr>
-              <a:t>accuracy</a:t>
-            </a:r>
-            <a:r>
-              <a:rPr lang="en-US" sz="2400">
-                <a:latin typeface="Courier New" panose="02070309020205020404" pitchFamily="49" charset="0"/>
-                <a:cs typeface="Courier New" panose="02070309020205020404" pitchFamily="49" charset="0"/>
-              </a:rPr>
-              <a:t>))</a:t>
-            </a:r>
-          </a:p>
-          <a:p>
-            <a:pPr marL="457200" indent="-457200">
-              <a:buFont typeface="+mj-lt"/>
-              <a:buAutoNum type="arabicPeriod" startAt="18"/>
-            </a:pPr>
-            <a:r>
-              <a:rPr lang="en-US" sz="2400">
-                <a:latin typeface="Courier New" panose="02070309020205020404" pitchFamily="49" charset="0"/>
-                <a:cs typeface="Courier New" panose="02070309020205020404" pitchFamily="49" charset="0"/>
-              </a:rPr>
-              <a:t>df = </a:t>
-            </a:r>
-            <a:r>
-              <a:rPr lang="en-US" sz="2400">
-                <a:solidFill>
-                  <a:srgbClr val="0066FF"/>
-                </a:solidFill>
-                <a:latin typeface="Courier New" panose="02070309020205020404" pitchFamily="49" charset="0"/>
-                <a:cs typeface="Courier New" panose="02070309020205020404" pitchFamily="49" charset="0"/>
-              </a:rPr>
-              <a:t>pd.DataFrame</a:t>
-            </a:r>
-            <a:r>
-              <a:rPr lang="en-US" sz="2400">
-                <a:latin typeface="Courier New" panose="02070309020205020404" pitchFamily="49" charset="0"/>
-                <a:cs typeface="Courier New" panose="02070309020205020404" pitchFamily="49" charset="0"/>
-              </a:rPr>
-              <a:t>(</a:t>
-            </a:r>
-            <a:r>
-              <a:rPr lang="en-US" sz="2400">
-                <a:solidFill>
-                  <a:srgbClr val="FF0000"/>
-                </a:solidFill>
-                <a:latin typeface="Courier New" panose="02070309020205020404" pitchFamily="49" charset="0"/>
-                <a:cs typeface="Courier New" panose="02070309020205020404" pitchFamily="49" charset="0"/>
-              </a:rPr>
-              <a:t>list_of_result</a:t>
-            </a:r>
-            <a:r>
-              <a:rPr lang="en-US" sz="2400">
-                <a:latin typeface="Courier New" panose="02070309020205020404" pitchFamily="49" charset="0"/>
-                <a:cs typeface="Courier New" panose="02070309020205020404" pitchFamily="49" charset="0"/>
-              </a:rPr>
-              <a:t>,    		   columns=headers, index=index_name)</a:t>
-            </a:r>
-          </a:p>
-          <a:p>
-            <a:pPr marL="457200" indent="-457200">
-              <a:buFont typeface="+mj-lt"/>
-              <a:buAutoNum type="arabicPeriod" startAt="18"/>
-            </a:pPr>
-            <a:r>
-              <a:rPr lang="en-US" sz="2400">
-                <a:latin typeface="Courier New" panose="02070309020205020404" pitchFamily="49" charset="0"/>
-                <a:cs typeface="Courier New" panose="02070309020205020404" pitchFamily="49" charset="0"/>
-              </a:rPr>
-              <a:t>print(df)</a:t>
-            </a:r>
-          </a:p>
-          <a:p>
-            <a:pPr marL="457200" indent="-457200">
-              <a:buFont typeface="+mj-lt"/>
-              <a:buAutoNum type="arabicPeriod" startAt="18"/>
-            </a:pPr>
-            <a:r>
-              <a:rPr lang="en-US" sz="2400">
-                <a:solidFill>
-                  <a:srgbClr val="0066FF"/>
-                </a:solidFill>
-                <a:latin typeface="Courier New" panose="02070309020205020404" pitchFamily="49" charset="0"/>
-                <a:cs typeface="Courier New" panose="02070309020205020404" pitchFamily="49" charset="0"/>
-              </a:rPr>
-              <a:t>df.to_csv('result_cosine.csv', sep=',')</a:t>
-            </a:r>
-          </a:p>
-        </p:txBody>
-      </p:sp>
-    </p:spTree>
-    <p:extLst>
-      <p:ext uri="{BB962C8B-B14F-4D97-AF65-F5344CB8AC3E}">
-        <p14:creationId xmlns:p14="http://schemas.microsoft.com/office/powerpoint/2010/main" val="2203649553"/>
-      </p:ext>
-    </p:extLst>
-  </p:cSld>
-  <p:clrMapOvr>
-    <a:masterClrMapping/>
-  </p:clrMapOvr>
-  <p:transition/>
-</p:sld>
-</file>
-
-<file path=ppt/slides/slide31.xml><?xml version="1.0" encoding="utf-8"?>
-<p:sld xmlns:a="http://schemas.openxmlformats.org/drawingml/2006/main" xmlns:r="http://schemas.openxmlformats.org/officeDocument/2006/relationships" xmlns:p="http://schemas.openxmlformats.org/presentationml/2006/main">
-  <p:cSld>
-    <p:spTree>
-      <p:nvGrpSpPr>
-        <p:cNvPr id="1" name=""/>
-        <p:cNvGrpSpPr/>
-        <p:nvPr/>
-      </p:nvGrpSpPr>
-      <p:grpSpPr>
-        <a:xfrm>
-          <a:off x="0" y="0"/>
-          <a:ext cx="0" cy="0"/>
-          <a:chOff x="0" y="0"/>
-          <a:chExt cx="0" cy="0"/>
-        </a:xfrm>
-      </p:grpSpPr>
-      <p:sp>
-        <p:nvSpPr>
-          <p:cNvPr id="2" name="Title 1">
-            <a:extLst>
-              <a:ext uri="{FF2B5EF4-FFF2-40B4-BE49-F238E27FC236}">
-                <a16:creationId xmlns:a16="http://schemas.microsoft.com/office/drawing/2014/main" id="{F0CE3F03-182C-46C8-87AC-CB89D2C1D33D}"/>
-              </a:ext>
-            </a:extLst>
-          </p:cNvPr>
-          <p:cNvSpPr>
-            <a:spLocks noGrp="1"/>
-          </p:cNvSpPr>
-          <p:nvPr>
-            <p:ph type="title"/>
-          </p:nvPr>
-        </p:nvSpPr>
-        <p:spPr/>
-        <p:txBody>
-          <a:bodyPr/>
-          <a:lstStyle/>
-          <a:p>
-            <a:r>
-              <a:rPr lang="en-US"/>
-              <a:t>Cosine similarity</a:t>
-            </a:r>
-          </a:p>
-        </p:txBody>
-      </p:sp>
-      <p:pic>
-        <p:nvPicPr>
-          <p:cNvPr id="4" name="Content Placeholder 3">
-            <a:extLst>
-              <a:ext uri="{FF2B5EF4-FFF2-40B4-BE49-F238E27FC236}">
-                <a16:creationId xmlns:a16="http://schemas.microsoft.com/office/drawing/2014/main" id="{B118C815-37AF-494C-AED5-64AC6EA2657A}"/>
-              </a:ext>
-            </a:extLst>
-          </p:cNvPr>
-          <p:cNvPicPr>
-            <a:picLocks noGrp="1" noChangeAspect="1"/>
-          </p:cNvPicPr>
-          <p:nvPr>
-            <p:ph idx="1"/>
-          </p:nvPr>
-        </p:nvPicPr>
-        <p:blipFill>
-          <a:blip r:embed="rId2"/>
-          <a:stretch>
-            <a:fillRect/>
-          </a:stretch>
-        </p:blipFill>
-        <p:spPr>
-          <a:xfrm>
-            <a:off x="1821656" y="1752600"/>
-            <a:ext cx="5500687" cy="3956489"/>
-          </a:xfrm>
-          <a:prstGeom prst="rect">
-            <a:avLst/>
-          </a:prstGeom>
-        </p:spPr>
-      </p:pic>
-    </p:spTree>
-    <p:extLst>
-      <p:ext uri="{BB962C8B-B14F-4D97-AF65-F5344CB8AC3E}">
-        <p14:creationId xmlns:p14="http://schemas.microsoft.com/office/powerpoint/2010/main" val="3546879696"/>
       </p:ext>
     </p:extLst>
   </p:cSld>
